--- a/GDD/컨셉/로비시스템기획서.pptx
+++ b/GDD/컨셉/로비시스템기획서.pptx
@@ -35182,7 +35182,7 @@
           <a:p>
             <a:r>
               <a:rPr lang="ko-KR" altLang="en-US" dirty="0"/>
-              <a:t>왜 교육일까</a:t>
+              <a:t>왜 로비일까</a:t>
             </a:r>
             <a:r>
               <a:rPr lang="en-US" altLang="ko-KR" dirty="0"/>
@@ -35443,25 +35443,59 @@
         </p:nvSpPr>
         <p:spPr/>
         <p:txBody>
-          <a:bodyPr/>
+          <a:bodyPr>
+            <a:normAutofit/>
+          </a:bodyPr>
           <a:lstStyle/>
           <a:p>
             <a:r>
-              <a:rPr lang="ko-KR" altLang="en-US" dirty="0"/>
-              <a:t>교육 시스템</a:t>
+              <a:rPr lang="ko-KR" altLang="en-US" sz="2000" dirty="0"/>
+              <a:t>로비 시스템</a:t>
             </a:r>
-            <a:endParaRPr lang="en-US" altLang="ko-KR" dirty="0"/>
+            <a:endParaRPr lang="en-US" altLang="ko-KR" sz="2000" dirty="0"/>
           </a:p>
           <a:p>
             <a:r>
-              <a:rPr lang="ko-KR" altLang="en-US" dirty="0"/>
-              <a:t>에이전트가 몰려오는 적을 막을 수 있게 교육을 시킬 수 있는 시스템이 필요하다</a:t>
+              <a:rPr lang="ko-KR" altLang="en-US" sz="2000" dirty="0"/>
+              <a:t>교육시스템에서 교육시킨 </a:t>
             </a:r>
             <a:r>
-              <a:rPr lang="en-US" altLang="ko-KR" dirty="0"/>
+              <a:rPr lang="en-US" altLang="ko-KR" sz="2000" dirty="0"/>
+              <a:t>model </a:t>
+            </a:r>
+            <a:r>
+              <a:rPr lang="ko-KR" altLang="en-US" sz="2000" dirty="0"/>
+              <a:t>파일을 적용시킨 플레이어가 로비에서 </a:t>
+            </a:r>
+            <a:r>
+              <a:rPr lang="en-US" altLang="ko-KR" sz="2000" dirty="0"/>
+              <a:t>1</a:t>
+            </a:r>
+            <a:r>
+              <a:rPr lang="ko-KR" altLang="en-US" sz="2000" dirty="0"/>
+              <a:t>직선으로 오는 적을 잡고 있는다</a:t>
+            </a:r>
+            <a:r>
+              <a:rPr lang="en-US" altLang="ko-KR" sz="2000" dirty="0"/>
+              <a:t>. </a:t>
+            </a:r>
+            <a:r>
+              <a:rPr lang="ko-KR" altLang="en-US" sz="2000" dirty="0"/>
+              <a:t>초기에는 교육시킨 파일이 </a:t>
+            </a:r>
+            <a:r>
+              <a:rPr lang="ko-KR" altLang="en-US" sz="2000" dirty="0" err="1"/>
+              <a:t>없을테니까</a:t>
+            </a:r>
+            <a:r>
+              <a:rPr lang="ko-KR" altLang="en-US" sz="2000" dirty="0"/>
+              <a:t> 기본적인 교육파일을 장착하고 있다</a:t>
+            </a:r>
+            <a:r>
+              <a:rPr lang="en-US" altLang="ko-KR" sz="2000" dirty="0"/>
               <a:t>.</a:t>
             </a:r>
-            <a:endParaRPr lang="ko-KR" altLang="en-US" dirty="0"/>
+            <a:endParaRPr lang="ko-KR" altLang="en-US" sz="2000" dirty="0"/>
           </a:p>
         </p:txBody>
       </p:sp>
@@ -35612,12 +35646,42 @@
           <a:chExt cx="0" cy="0"/>
         </a:xfrm>
       </p:grpSpPr>
+      <p:pic>
+        <p:nvPicPr>
+          <p:cNvPr id="43" name="그림 42">
+            <a:extLst>
+              <a:ext uri="{FF2B5EF4-FFF2-40B4-BE49-F238E27FC236}">
+                <a16:creationId xmlns:a16="http://schemas.microsoft.com/office/drawing/2014/main" id="{E25796F9-3C0A-118B-DB1A-F0A17006D63B}"/>
+              </a:ext>
+            </a:extLst>
+          </p:cNvPr>
+          <p:cNvPicPr>
+            <a:picLocks noChangeAspect="1"/>
+          </p:cNvPicPr>
+          <p:nvPr/>
+        </p:nvPicPr>
+        <p:blipFill>
+          <a:blip r:embed="rId2"/>
+          <a:stretch>
+            <a:fillRect/>
+          </a:stretch>
+        </p:blipFill>
+        <p:spPr>
+          <a:xfrm>
+            <a:off x="60960" y="2507768"/>
+            <a:ext cx="2716426" cy="2529608"/>
+          </a:xfrm>
+          <a:prstGeom prst="rect">
+            <a:avLst/>
+          </a:prstGeom>
+        </p:spPr>
+      </p:pic>
       <p:sp>
         <p:nvSpPr>
-          <p:cNvPr id="38" name="직사각형 37">
+          <p:cNvPr id="41" name="직사각형 40">
             <a:extLst>
               <a:ext uri="{FF2B5EF4-FFF2-40B4-BE49-F238E27FC236}">
-                <a16:creationId xmlns:a16="http://schemas.microsoft.com/office/drawing/2014/main" id="{7C09C6C9-46C4-8AD4-A5DF-6ED6E8EB9543}"/>
+                <a16:creationId xmlns:a16="http://schemas.microsoft.com/office/drawing/2014/main" id="{1DBF2550-27BB-1740-2FBE-38F457794B2B}"/>
               </a:ext>
             </a:extLst>
           </p:cNvPr>
@@ -35626,22 +35690,29 @@
         </p:nvSpPr>
         <p:spPr>
           <a:xfrm>
-            <a:off x="107504" y="2578063"/>
-            <a:ext cx="2880320" cy="3168352"/>
+            <a:off x="356305" y="2528900"/>
+            <a:ext cx="1928813" cy="3429000"/>
           </a:xfrm>
           <a:prstGeom prst="rect">
             <a:avLst/>
           </a:prstGeom>
           <a:noFill/>
+          <a:ln>
+            <a:solidFill>
+              <a:schemeClr val="tx1"/>
+            </a:solidFill>
+          </a:ln>
         </p:spPr>
         <p:style>
-          <a:lnRef idx="3">
-            <a:schemeClr val="lt1"/>
+          <a:lnRef idx="2">
+            <a:schemeClr val="accent1">
+              <a:shade val="50000"/>
+            </a:schemeClr>
           </a:lnRef>
           <a:fillRef idx="1">
             <a:schemeClr val="accent1"/>
           </a:fillRef>
-          <a:effectRef idx="1">
+          <a:effectRef idx="0">
             <a:schemeClr val="accent1"/>
           </a:effectRef>
           <a:fontRef idx="minor">
@@ -35653,52 +35724,7 @@
           <a:lstStyle/>
           <a:p>
             <a:pPr algn="ctr"/>
-            <a:endParaRPr lang="ko-KR" altLang="en-US"/>
-          </a:p>
-        </p:txBody>
-      </p:sp>
-      <p:sp>
-        <p:nvSpPr>
-          <p:cNvPr id="39" name="직사각형 38">
-            <a:extLst>
-              <a:ext uri="{FF2B5EF4-FFF2-40B4-BE49-F238E27FC236}">
-                <a16:creationId xmlns:a16="http://schemas.microsoft.com/office/drawing/2014/main" id="{9343AA24-DEDC-6645-CFAD-1785240B4C64}"/>
-              </a:ext>
-            </a:extLst>
-          </p:cNvPr>
-          <p:cNvSpPr/>
-          <p:nvPr/>
-        </p:nvSpPr>
-        <p:spPr>
-          <a:xfrm>
-            <a:off x="107504" y="5153000"/>
-            <a:ext cx="2880320" cy="584448"/>
-          </a:xfrm>
-          <a:prstGeom prst="rect">
-            <a:avLst/>
-          </a:prstGeom>
-          <a:noFill/>
-        </p:spPr>
-        <p:style>
-          <a:lnRef idx="3">
-            <a:schemeClr val="lt1"/>
-          </a:lnRef>
-          <a:fillRef idx="1">
-            <a:schemeClr val="accent1"/>
-          </a:fillRef>
-          <a:effectRef idx="1">
-            <a:schemeClr val="accent1"/>
-          </a:effectRef>
-          <a:fontRef idx="minor">
-            <a:schemeClr val="lt1"/>
-          </a:fontRef>
-        </p:style>
-        <p:txBody>
-          <a:bodyPr rtlCol="0" anchor="ctr"/>
-          <a:lstStyle/>
-          <a:p>
-            <a:pPr algn="ctr"/>
-            <a:endParaRPr lang="ko-KR" altLang="en-US"/>
+            <a:endParaRPr lang="ko-KR" altLang="en-US" dirty="0"/>
           </a:p>
         </p:txBody>
       </p:sp>
@@ -35787,691 +35813,6 @@
           </a:p>
         </p:txBody>
       </p:sp>
-      <p:sp>
-        <p:nvSpPr>
-          <p:cNvPr id="9" name="타원 8">
-            <a:extLst>
-              <a:ext uri="{FF2B5EF4-FFF2-40B4-BE49-F238E27FC236}">
-                <a16:creationId xmlns:a16="http://schemas.microsoft.com/office/drawing/2014/main" id="{719D3CA8-530A-14ED-5D34-571544B25E4F}"/>
-              </a:ext>
-            </a:extLst>
-          </p:cNvPr>
-          <p:cNvSpPr/>
-          <p:nvPr/>
-        </p:nvSpPr>
-        <p:spPr>
-          <a:xfrm>
-            <a:off x="1259632" y="5229200"/>
-            <a:ext cx="432048" cy="432048"/>
-          </a:xfrm>
-          <a:prstGeom prst="ellipse">
-            <a:avLst/>
-          </a:prstGeom>
-          <a:noFill/>
-        </p:spPr>
-        <p:style>
-          <a:lnRef idx="2">
-            <a:schemeClr val="accent1">
-              <a:shade val="50000"/>
-            </a:schemeClr>
-          </a:lnRef>
-          <a:fillRef idx="1">
-            <a:schemeClr val="accent1"/>
-          </a:fillRef>
-          <a:effectRef idx="0">
-            <a:schemeClr val="accent1"/>
-          </a:effectRef>
-          <a:fontRef idx="minor">
-            <a:schemeClr val="lt1"/>
-          </a:fontRef>
-        </p:style>
-        <p:txBody>
-          <a:bodyPr rtlCol="0" anchor="ctr"/>
-          <a:lstStyle/>
-          <a:p>
-            <a:pPr algn="ctr"/>
-            <a:r>
-              <a:rPr lang="en-US" altLang="ko-KR" dirty="0">
-                <a:solidFill>
-                  <a:schemeClr val="bg1"/>
-                </a:solidFill>
-              </a:rPr>
-              <a:t>P</a:t>
-            </a:r>
-            <a:endParaRPr lang="ko-KR" altLang="en-US" dirty="0">
-              <a:solidFill>
-                <a:schemeClr val="bg1"/>
-              </a:solidFill>
-            </a:endParaRPr>
-          </a:p>
-        </p:txBody>
-      </p:sp>
-      <p:sp>
-        <p:nvSpPr>
-          <p:cNvPr id="10" name="직사각형 9">
-            <a:extLst>
-              <a:ext uri="{FF2B5EF4-FFF2-40B4-BE49-F238E27FC236}">
-                <a16:creationId xmlns:a16="http://schemas.microsoft.com/office/drawing/2014/main" id="{2D0C2952-3C42-4386-5560-CF60054D0DC9}"/>
-              </a:ext>
-            </a:extLst>
-          </p:cNvPr>
-          <p:cNvSpPr/>
-          <p:nvPr/>
-        </p:nvSpPr>
-        <p:spPr>
-          <a:xfrm>
-            <a:off x="3073449" y="2994268"/>
-            <a:ext cx="1727301" cy="350488"/>
-          </a:xfrm>
-          <a:prstGeom prst="rect">
-            <a:avLst/>
-          </a:prstGeom>
-          <a:noFill/>
-        </p:spPr>
-        <p:style>
-          <a:lnRef idx="2">
-            <a:schemeClr val="accent1">
-              <a:shade val="50000"/>
-            </a:schemeClr>
-          </a:lnRef>
-          <a:fillRef idx="1">
-            <a:schemeClr val="accent1"/>
-          </a:fillRef>
-          <a:effectRef idx="0">
-            <a:schemeClr val="accent1"/>
-          </a:effectRef>
-          <a:fontRef idx="minor">
-            <a:schemeClr val="lt1"/>
-          </a:fontRef>
-        </p:style>
-        <p:txBody>
-          <a:bodyPr rtlCol="0" anchor="ctr"/>
-          <a:lstStyle/>
-          <a:p>
-            <a:pPr>
-              <a:lnSpc>
-                <a:spcPct val="150000"/>
-              </a:lnSpc>
-            </a:pPr>
-            <a:r>
-              <a:rPr lang="ko-KR" altLang="en-US" dirty="0" err="1">
-                <a:solidFill>
-                  <a:schemeClr val="bg1"/>
-                </a:solidFill>
-              </a:rPr>
-              <a:t>몬스터죽인다</a:t>
-            </a:r>
-            <a:endParaRPr lang="en-US" altLang="ko-KR" dirty="0">
-              <a:solidFill>
-                <a:schemeClr val="bg1"/>
-              </a:solidFill>
-            </a:endParaRPr>
-          </a:p>
-        </p:txBody>
-      </p:sp>
-      <p:sp>
-        <p:nvSpPr>
-          <p:cNvPr id="11" name="타원 10">
-            <a:extLst>
-              <a:ext uri="{FF2B5EF4-FFF2-40B4-BE49-F238E27FC236}">
-                <a16:creationId xmlns:a16="http://schemas.microsoft.com/office/drawing/2014/main" id="{2A38D0A1-EC35-6953-0BD8-2A69287C9A85}"/>
-              </a:ext>
-            </a:extLst>
-          </p:cNvPr>
-          <p:cNvSpPr/>
-          <p:nvPr/>
-        </p:nvSpPr>
-        <p:spPr>
-          <a:xfrm>
-            <a:off x="323528" y="2780928"/>
-            <a:ext cx="432048" cy="432048"/>
-          </a:xfrm>
-          <a:prstGeom prst="ellipse">
-            <a:avLst/>
-          </a:prstGeom>
-          <a:noFill/>
-        </p:spPr>
-        <p:style>
-          <a:lnRef idx="2">
-            <a:schemeClr val="accent1">
-              <a:shade val="50000"/>
-            </a:schemeClr>
-          </a:lnRef>
-          <a:fillRef idx="1">
-            <a:schemeClr val="accent1"/>
-          </a:fillRef>
-          <a:effectRef idx="0">
-            <a:schemeClr val="accent1"/>
-          </a:effectRef>
-          <a:fontRef idx="minor">
-            <a:schemeClr val="lt1"/>
-          </a:fontRef>
-        </p:style>
-        <p:txBody>
-          <a:bodyPr rtlCol="0" anchor="ctr"/>
-          <a:lstStyle/>
-          <a:p>
-            <a:pPr algn="ctr"/>
-            <a:r>
-              <a:rPr lang="en-US" altLang="ko-KR">
-                <a:solidFill>
-                  <a:schemeClr val="bg1"/>
-                </a:solidFill>
-              </a:rPr>
-              <a:t>M</a:t>
-            </a:r>
-            <a:endParaRPr lang="ko-KR" altLang="en-US" dirty="0">
-              <a:solidFill>
-                <a:schemeClr val="bg1"/>
-              </a:solidFill>
-            </a:endParaRPr>
-          </a:p>
-        </p:txBody>
-      </p:sp>
-      <p:sp>
-        <p:nvSpPr>
-          <p:cNvPr id="12" name="타원 11">
-            <a:extLst>
-              <a:ext uri="{FF2B5EF4-FFF2-40B4-BE49-F238E27FC236}">
-                <a16:creationId xmlns:a16="http://schemas.microsoft.com/office/drawing/2014/main" id="{7083003C-6E2D-6A70-5727-F12FD2C5314D}"/>
-              </a:ext>
-            </a:extLst>
-          </p:cNvPr>
-          <p:cNvSpPr/>
-          <p:nvPr/>
-        </p:nvSpPr>
-        <p:spPr>
-          <a:xfrm>
-            <a:off x="1321925" y="2769804"/>
-            <a:ext cx="432048" cy="432048"/>
-          </a:xfrm>
-          <a:prstGeom prst="ellipse">
-            <a:avLst/>
-          </a:prstGeom>
-          <a:noFill/>
-        </p:spPr>
-        <p:style>
-          <a:lnRef idx="2">
-            <a:schemeClr val="accent1">
-              <a:shade val="50000"/>
-            </a:schemeClr>
-          </a:lnRef>
-          <a:fillRef idx="1">
-            <a:schemeClr val="accent1"/>
-          </a:fillRef>
-          <a:effectRef idx="0">
-            <a:schemeClr val="accent1"/>
-          </a:effectRef>
-          <a:fontRef idx="minor">
-            <a:schemeClr val="lt1"/>
-          </a:fontRef>
-        </p:style>
-        <p:txBody>
-          <a:bodyPr rtlCol="0" anchor="ctr"/>
-          <a:lstStyle/>
-          <a:p>
-            <a:pPr algn="ctr"/>
-            <a:r>
-              <a:rPr lang="en-US" altLang="ko-KR">
-                <a:solidFill>
-                  <a:schemeClr val="bg1"/>
-                </a:solidFill>
-              </a:rPr>
-              <a:t>M</a:t>
-            </a:r>
-            <a:endParaRPr lang="ko-KR" altLang="en-US" dirty="0">
-              <a:solidFill>
-                <a:schemeClr val="bg1"/>
-              </a:solidFill>
-            </a:endParaRPr>
-          </a:p>
-        </p:txBody>
-      </p:sp>
-      <p:sp>
-        <p:nvSpPr>
-          <p:cNvPr id="13" name="타원 12">
-            <a:extLst>
-              <a:ext uri="{FF2B5EF4-FFF2-40B4-BE49-F238E27FC236}">
-                <a16:creationId xmlns:a16="http://schemas.microsoft.com/office/drawing/2014/main" id="{6E5EE733-4368-269C-2A58-DEBDB3D9F4FD}"/>
-              </a:ext>
-            </a:extLst>
-          </p:cNvPr>
-          <p:cNvSpPr/>
-          <p:nvPr/>
-        </p:nvSpPr>
-        <p:spPr>
-          <a:xfrm>
-            <a:off x="2294033" y="2769804"/>
-            <a:ext cx="432048" cy="432048"/>
-          </a:xfrm>
-          <a:prstGeom prst="ellipse">
-            <a:avLst/>
-          </a:prstGeom>
-          <a:noFill/>
-        </p:spPr>
-        <p:style>
-          <a:lnRef idx="2">
-            <a:schemeClr val="accent1">
-              <a:shade val="50000"/>
-            </a:schemeClr>
-          </a:lnRef>
-          <a:fillRef idx="1">
-            <a:schemeClr val="accent1"/>
-          </a:fillRef>
-          <a:effectRef idx="0">
-            <a:schemeClr val="accent1"/>
-          </a:effectRef>
-          <a:fontRef idx="minor">
-            <a:schemeClr val="lt1"/>
-          </a:fontRef>
-        </p:style>
-        <p:txBody>
-          <a:bodyPr rtlCol="0" anchor="ctr"/>
-          <a:lstStyle/>
-          <a:p>
-            <a:pPr algn="ctr"/>
-            <a:r>
-              <a:rPr lang="en-US" altLang="ko-KR">
-                <a:solidFill>
-                  <a:schemeClr val="bg1"/>
-                </a:solidFill>
-              </a:rPr>
-              <a:t>M</a:t>
-            </a:r>
-            <a:endParaRPr lang="ko-KR" altLang="en-US" dirty="0">
-              <a:solidFill>
-                <a:schemeClr val="bg1"/>
-              </a:solidFill>
-            </a:endParaRPr>
-          </a:p>
-        </p:txBody>
-      </p:sp>
-      <p:grpSp>
-        <p:nvGrpSpPr>
-          <p:cNvPr id="14" name="그룹 13">
-            <a:extLst>
-              <a:ext uri="{FF2B5EF4-FFF2-40B4-BE49-F238E27FC236}">
-                <a16:creationId xmlns:a16="http://schemas.microsoft.com/office/drawing/2014/main" id="{C888B552-4881-6048-FD14-40924FF3E614}"/>
-              </a:ext>
-            </a:extLst>
-          </p:cNvPr>
-          <p:cNvGrpSpPr/>
-          <p:nvPr/>
-        </p:nvGrpSpPr>
-        <p:grpSpPr>
-          <a:xfrm>
-            <a:off x="3086121" y="3776242"/>
-            <a:ext cx="1727301" cy="350488"/>
-            <a:chOff x="3878209" y="3776242"/>
-            <a:chExt cx="1727301" cy="350488"/>
-          </a:xfrm>
-          <a:noFill/>
-        </p:grpSpPr>
-        <p:sp>
-          <p:nvSpPr>
-            <p:cNvPr id="15" name="직사각형 14">
-              <a:extLst>
-                <a:ext uri="{FF2B5EF4-FFF2-40B4-BE49-F238E27FC236}">
-                  <a16:creationId xmlns:a16="http://schemas.microsoft.com/office/drawing/2014/main" id="{50F2F916-408E-0AA9-627A-9B53262D9123}"/>
-                </a:ext>
-              </a:extLst>
-            </p:cNvPr>
-            <p:cNvSpPr/>
-            <p:nvPr/>
-          </p:nvSpPr>
-          <p:spPr>
-            <a:xfrm>
-              <a:off x="3878209" y="3776242"/>
-              <a:ext cx="1727301" cy="350488"/>
-            </a:xfrm>
-            <a:prstGeom prst="rect">
-              <a:avLst/>
-            </a:prstGeom>
-            <a:grpFill/>
-          </p:spPr>
-          <p:style>
-            <a:lnRef idx="2">
-              <a:schemeClr val="accent1">
-                <a:shade val="50000"/>
-              </a:schemeClr>
-            </a:lnRef>
-            <a:fillRef idx="1">
-              <a:schemeClr val="accent1"/>
-            </a:fillRef>
-            <a:effectRef idx="0">
-              <a:schemeClr val="accent1"/>
-            </a:effectRef>
-            <a:fontRef idx="minor">
-              <a:schemeClr val="lt1"/>
-            </a:fontRef>
-          </p:style>
-          <p:txBody>
-            <a:bodyPr rtlCol="0" anchor="ctr"/>
-            <a:lstStyle/>
-            <a:p>
-              <a:pPr>
-                <a:lnSpc>
-                  <a:spcPct val="150000"/>
-                </a:lnSpc>
-              </a:pPr>
-              <a:r>
-                <a:rPr lang="ko-KR" altLang="en-US">
-                  <a:solidFill>
-                    <a:schemeClr val="bg1"/>
-                  </a:solidFill>
-                </a:rPr>
-                <a:t>이동</a:t>
-              </a:r>
-              <a:endParaRPr lang="en-US" altLang="ko-KR" dirty="0">
-                <a:solidFill>
-                  <a:schemeClr val="bg1"/>
-                </a:solidFill>
-              </a:endParaRPr>
-            </a:p>
-          </p:txBody>
-        </p:sp>
-        <p:cxnSp>
-          <p:nvCxnSpPr>
-            <p:cNvPr id="16" name="직선 연결선 15">
-              <a:extLst>
-                <a:ext uri="{FF2B5EF4-FFF2-40B4-BE49-F238E27FC236}">
-                  <a16:creationId xmlns:a16="http://schemas.microsoft.com/office/drawing/2014/main" id="{594C2368-58CA-74C9-E665-A4AEA59250A1}"/>
-                </a:ext>
-              </a:extLst>
-            </p:cNvPr>
-            <p:cNvCxnSpPr/>
-            <p:nvPr/>
-          </p:nvCxnSpPr>
-          <p:spPr>
-            <a:xfrm flipV="1">
-              <a:off x="3897639" y="3776242"/>
-              <a:ext cx="1707871" cy="350488"/>
-            </a:xfrm>
-            <a:prstGeom prst="line">
-              <a:avLst/>
-            </a:prstGeom>
-            <a:grpFill/>
-            <a:ln>
-              <a:solidFill>
-                <a:srgbClr val="FF0000"/>
-              </a:solidFill>
-            </a:ln>
-          </p:spPr>
-          <p:style>
-            <a:lnRef idx="2">
-              <a:schemeClr val="accent1">
-                <a:shade val="50000"/>
-              </a:schemeClr>
-            </a:lnRef>
-            <a:fillRef idx="1">
-              <a:schemeClr val="accent1"/>
-            </a:fillRef>
-            <a:effectRef idx="0">
-              <a:schemeClr val="accent1"/>
-            </a:effectRef>
-            <a:fontRef idx="minor">
-              <a:schemeClr val="lt1"/>
-            </a:fontRef>
-          </p:style>
-        </p:cxnSp>
-      </p:grpSp>
-      <p:grpSp>
-        <p:nvGrpSpPr>
-          <p:cNvPr id="17" name="그룹 16">
-            <a:extLst>
-              <a:ext uri="{FF2B5EF4-FFF2-40B4-BE49-F238E27FC236}">
-                <a16:creationId xmlns:a16="http://schemas.microsoft.com/office/drawing/2014/main" id="{942530B2-CC42-E37E-70D3-36F37E8198EE}"/>
-              </a:ext>
-            </a:extLst>
-          </p:cNvPr>
-          <p:cNvGrpSpPr/>
-          <p:nvPr/>
-        </p:nvGrpSpPr>
-        <p:grpSpPr>
-          <a:xfrm>
-            <a:off x="3053912" y="4207970"/>
-            <a:ext cx="1759510" cy="350488"/>
-            <a:chOff x="3846000" y="4207970"/>
-            <a:chExt cx="1759510" cy="350488"/>
-          </a:xfrm>
-          <a:noFill/>
-        </p:grpSpPr>
-        <p:sp>
-          <p:nvSpPr>
-            <p:cNvPr id="18" name="직사각형 17">
-              <a:extLst>
-                <a:ext uri="{FF2B5EF4-FFF2-40B4-BE49-F238E27FC236}">
-                  <a16:creationId xmlns:a16="http://schemas.microsoft.com/office/drawing/2014/main" id="{4077ADCE-B660-7BE7-668C-F5F78E758A65}"/>
-                </a:ext>
-              </a:extLst>
-            </p:cNvPr>
-            <p:cNvSpPr/>
-            <p:nvPr/>
-          </p:nvSpPr>
-          <p:spPr>
-            <a:xfrm>
-              <a:off x="3878209" y="4207970"/>
-              <a:ext cx="1727301" cy="350488"/>
-            </a:xfrm>
-            <a:prstGeom prst="rect">
-              <a:avLst/>
-            </a:prstGeom>
-            <a:grpFill/>
-          </p:spPr>
-          <p:style>
-            <a:lnRef idx="2">
-              <a:schemeClr val="accent1">
-                <a:shade val="50000"/>
-              </a:schemeClr>
-            </a:lnRef>
-            <a:fillRef idx="1">
-              <a:schemeClr val="accent1"/>
-            </a:fillRef>
-            <a:effectRef idx="0">
-              <a:schemeClr val="accent1"/>
-            </a:effectRef>
-            <a:fontRef idx="minor">
-              <a:schemeClr val="lt1"/>
-            </a:fontRef>
-          </p:style>
-          <p:txBody>
-            <a:bodyPr rtlCol="0" anchor="ctr"/>
-            <a:lstStyle/>
-            <a:p>
-              <a:pPr>
-                <a:lnSpc>
-                  <a:spcPct val="150000"/>
-                </a:lnSpc>
-              </a:pPr>
-              <a:r>
-                <a:rPr lang="ko-KR" altLang="en-US">
-                  <a:solidFill>
-                    <a:schemeClr val="bg1"/>
-                  </a:solidFill>
-                </a:rPr>
-                <a:t>공격</a:t>
-              </a:r>
-              <a:endParaRPr lang="en-US" altLang="ko-KR" dirty="0">
-                <a:solidFill>
-                  <a:schemeClr val="bg1"/>
-                </a:solidFill>
-              </a:endParaRPr>
-            </a:p>
-          </p:txBody>
-        </p:sp>
-        <p:cxnSp>
-          <p:nvCxnSpPr>
-            <p:cNvPr id="19" name="직선 연결선 18">
-              <a:extLst>
-                <a:ext uri="{FF2B5EF4-FFF2-40B4-BE49-F238E27FC236}">
-                  <a16:creationId xmlns:a16="http://schemas.microsoft.com/office/drawing/2014/main" id="{A33C5BEE-9566-7CD4-FFCB-2C694B1FB190}"/>
-                </a:ext>
-              </a:extLst>
-            </p:cNvPr>
-            <p:cNvCxnSpPr>
-              <a:cxnSpLocks/>
-            </p:cNvCxnSpPr>
-            <p:nvPr/>
-          </p:nvCxnSpPr>
-          <p:spPr>
-            <a:xfrm flipV="1">
-              <a:off x="3846000" y="4270143"/>
-              <a:ext cx="1740080" cy="253656"/>
-            </a:xfrm>
-            <a:prstGeom prst="line">
-              <a:avLst/>
-            </a:prstGeom>
-            <a:grpFill/>
-            <a:ln>
-              <a:solidFill>
-                <a:srgbClr val="FF0000"/>
-              </a:solidFill>
-            </a:ln>
-          </p:spPr>
-          <p:style>
-            <a:lnRef idx="2">
-              <a:schemeClr val="accent1">
-                <a:shade val="50000"/>
-              </a:schemeClr>
-            </a:lnRef>
-            <a:fillRef idx="1">
-              <a:schemeClr val="accent1"/>
-            </a:fillRef>
-            <a:effectRef idx="0">
-              <a:schemeClr val="accent1"/>
-            </a:effectRef>
-            <a:fontRef idx="minor">
-              <a:schemeClr val="lt1"/>
-            </a:fontRef>
-          </p:style>
-        </p:cxnSp>
-      </p:grpSp>
-      <p:grpSp>
-        <p:nvGrpSpPr>
-          <p:cNvPr id="20" name="그룹 19">
-            <a:extLst>
-              <a:ext uri="{FF2B5EF4-FFF2-40B4-BE49-F238E27FC236}">
-                <a16:creationId xmlns:a16="http://schemas.microsoft.com/office/drawing/2014/main" id="{4FCBCFDF-F758-4B05-F470-1B4F65B04BE3}"/>
-              </a:ext>
-            </a:extLst>
-          </p:cNvPr>
-          <p:cNvGrpSpPr/>
-          <p:nvPr/>
-        </p:nvGrpSpPr>
-        <p:grpSpPr>
-          <a:xfrm>
-            <a:off x="3068389" y="4600176"/>
-            <a:ext cx="1745033" cy="350488"/>
-            <a:chOff x="3860477" y="4600176"/>
-            <a:chExt cx="1745033" cy="350488"/>
-          </a:xfrm>
-          <a:noFill/>
-        </p:grpSpPr>
-        <p:sp>
-          <p:nvSpPr>
-            <p:cNvPr id="21" name="직사각형 20">
-              <a:extLst>
-                <a:ext uri="{FF2B5EF4-FFF2-40B4-BE49-F238E27FC236}">
-                  <a16:creationId xmlns:a16="http://schemas.microsoft.com/office/drawing/2014/main" id="{6BE0271C-B5B2-F04D-5847-23B96A685717}"/>
-                </a:ext>
-              </a:extLst>
-            </p:cNvPr>
-            <p:cNvSpPr/>
-            <p:nvPr/>
-          </p:nvSpPr>
-          <p:spPr>
-            <a:xfrm>
-              <a:off x="3878209" y="4600176"/>
-              <a:ext cx="1727301" cy="350488"/>
-            </a:xfrm>
-            <a:prstGeom prst="rect">
-              <a:avLst/>
-            </a:prstGeom>
-            <a:grpFill/>
-          </p:spPr>
-          <p:style>
-            <a:lnRef idx="2">
-              <a:schemeClr val="accent1">
-                <a:shade val="50000"/>
-              </a:schemeClr>
-            </a:lnRef>
-            <a:fillRef idx="1">
-              <a:schemeClr val="accent1"/>
-            </a:fillRef>
-            <a:effectRef idx="0">
-              <a:schemeClr val="accent1"/>
-            </a:effectRef>
-            <a:fontRef idx="minor">
-              <a:schemeClr val="lt1"/>
-            </a:fontRef>
-          </p:style>
-          <p:txBody>
-            <a:bodyPr rtlCol="0" anchor="ctr"/>
-            <a:lstStyle/>
-            <a:p>
-              <a:pPr>
-                <a:lnSpc>
-                  <a:spcPct val="150000"/>
-                </a:lnSpc>
-              </a:pPr>
-              <a:r>
-                <a:rPr lang="ko-KR" altLang="en-US" dirty="0">
-                  <a:solidFill>
-                    <a:schemeClr val="bg1"/>
-                  </a:solidFill>
-                </a:rPr>
-                <a:t>시민</a:t>
-              </a:r>
-            </a:p>
-          </p:txBody>
-        </p:sp>
-        <p:cxnSp>
-          <p:nvCxnSpPr>
-            <p:cNvPr id="22" name="직선 연결선 21">
-              <a:extLst>
-                <a:ext uri="{FF2B5EF4-FFF2-40B4-BE49-F238E27FC236}">
-                  <a16:creationId xmlns:a16="http://schemas.microsoft.com/office/drawing/2014/main" id="{4FE5DC24-EAB3-FCE4-D6C4-AAF121D792EA}"/>
-                </a:ext>
-              </a:extLst>
-            </p:cNvPr>
-            <p:cNvCxnSpPr>
-              <a:cxnSpLocks/>
-            </p:cNvCxnSpPr>
-            <p:nvPr/>
-          </p:nvCxnSpPr>
-          <p:spPr>
-            <a:xfrm flipV="1">
-              <a:off x="3860477" y="4667212"/>
-              <a:ext cx="1725603" cy="254086"/>
-            </a:xfrm>
-            <a:prstGeom prst="line">
-              <a:avLst/>
-            </a:prstGeom>
-            <a:grpFill/>
-            <a:ln>
-              <a:solidFill>
-                <a:srgbClr val="FF0000"/>
-              </a:solidFill>
-            </a:ln>
-          </p:spPr>
-          <p:style>
-            <a:lnRef idx="2">
-              <a:schemeClr val="accent1">
-                <a:shade val="50000"/>
-              </a:schemeClr>
-            </a:lnRef>
-            <a:fillRef idx="1">
-              <a:schemeClr val="accent1"/>
-            </a:fillRef>
-            <a:effectRef idx="0">
-              <a:schemeClr val="accent1"/>
-            </a:effectRef>
-            <a:fontRef idx="minor">
-              <a:schemeClr val="lt1"/>
-            </a:fontRef>
-          </p:style>
-        </p:cxnSp>
-      </p:grpSp>
       <p:graphicFrame>
         <p:nvGraphicFramePr>
           <p:cNvPr id="23" name="표 26">
@@ -36484,7 +35825,13 @@
           <p:cNvGraphicFramePr>
             <a:graphicFrameLocks noGrp="1"/>
           </p:cNvGraphicFramePr>
-          <p:nvPr/>
+          <p:nvPr>
+            <p:extLst>
+              <p:ext uri="{D42A27DB-BD31-4B8C-83A1-F6EECF244321}">
+                <p14:modId xmlns:p14="http://schemas.microsoft.com/office/powerpoint/2010/main" val="768449487"/>
+              </p:ext>
+            </p:extLst>
+          </p:nvPr>
         </p:nvGraphicFramePr>
         <p:xfrm>
           <a:off x="4886375" y="2347559"/>
@@ -36526,7 +35873,7 @@
                     <a:lstStyle/>
                     <a:p>
                       <a:pPr latinLnBrk="1"/>
-                      <a:endParaRPr lang="ko-KR" altLang="en-US" sz="1200"/>
+                      <a:endParaRPr lang="ko-KR" altLang="en-US" sz="1200" dirty="0"/>
                     </a:p>
                   </a:txBody>
                   <a:tcPr/>
@@ -36538,9 +35885,10 @@
                     <a:p>
                       <a:pPr latinLnBrk="1"/>
                       <a:r>
-                        <a:rPr lang="ko-KR" altLang="en-US" sz="1200" dirty="0"/>
+                        <a:rPr lang="ko-KR" altLang="en-US" sz="1200"/>
                         <a:t>몬스터가 나오는 위치</a:t>
                       </a:r>
+                      <a:endParaRPr lang="ko-KR" altLang="en-US" sz="1200" dirty="0"/>
                     </a:p>
                   </a:txBody>
                   <a:tcPr anchor="ctr"/>
@@ -36552,11 +35900,11 @@
                     <a:p>
                       <a:pPr latinLnBrk="1"/>
                       <a:r>
-                        <a:rPr lang="ko-KR" altLang="en-US" sz="1200" dirty="0"/>
+                        <a:rPr lang="ko-KR" altLang="en-US" sz="1200"/>
                         <a:t>해당 위치에서 몬스터가 앞방향으로 전진한다</a:t>
                       </a:r>
                       <a:r>
-                        <a:rPr lang="en-US" altLang="ko-KR" sz="1200" dirty="0"/>
+                        <a:rPr lang="en-US" altLang="ko-KR" sz="1200"/>
                         <a:t>.</a:t>
                       </a:r>
                       <a:endParaRPr lang="ko-KR" altLang="en-US" sz="1200" dirty="0"/>
@@ -36589,9 +35937,10 @@
                     <a:p>
                       <a:pPr latinLnBrk="1"/>
                       <a:r>
-                        <a:rPr lang="ko-KR" altLang="en-US" sz="1200" dirty="0"/>
+                        <a:rPr lang="ko-KR" altLang="en-US" sz="1200"/>
                         <a:t>교육 가능 버튼</a:t>
                       </a:r>
+                      <a:endParaRPr lang="ko-KR" altLang="en-US" sz="1200" dirty="0"/>
                     </a:p>
                   </a:txBody>
                   <a:tcPr anchor="ctr"/>
@@ -36603,11 +35952,11 @@
                     <a:p>
                       <a:pPr latinLnBrk="1"/>
                       <a:r>
-                        <a:rPr lang="ko-KR" altLang="en-US" sz="1200" dirty="0"/>
+                        <a:rPr lang="ko-KR" altLang="en-US" sz="1200"/>
                         <a:t>해당 기능과 관련된 세부 설정을 할 수 있는 버튼이다</a:t>
                       </a:r>
                       <a:r>
-                        <a:rPr lang="en-US" altLang="ko-KR" sz="1200" dirty="0"/>
+                        <a:rPr lang="en-US" altLang="ko-KR" sz="1200"/>
                         <a:t>.</a:t>
                       </a:r>
                       <a:endParaRPr lang="ko-KR" altLang="en-US" sz="1200" dirty="0"/>
@@ -36656,9 +36005,10 @@
                         <a:defRPr/>
                       </a:pPr>
                       <a:r>
-                        <a:rPr lang="ko-KR" altLang="en-US" sz="1200" dirty="0"/>
+                        <a:rPr lang="ko-KR" altLang="en-US" sz="1200"/>
                         <a:t>교육 불가능 버튼</a:t>
                       </a:r>
+                      <a:endParaRPr lang="ko-KR" altLang="en-US" sz="1200" dirty="0"/>
                     </a:p>
                   </a:txBody>
                   <a:tcPr anchor="ctr"/>
@@ -36670,25 +36020,26 @@
                     <a:p>
                       <a:pPr latinLnBrk="1"/>
                       <a:r>
-                        <a:rPr lang="ko-KR" altLang="en-US" sz="1200" dirty="0"/>
+                        <a:rPr lang="ko-KR" altLang="en-US" sz="1200"/>
                         <a:t>레벨</a:t>
                       </a:r>
                       <a:r>
-                        <a:rPr lang="en-US" altLang="ko-KR" sz="1200" dirty="0"/>
+                        <a:rPr lang="en-US" altLang="ko-KR" sz="1200"/>
                         <a:t>, </a:t>
                       </a:r>
                       <a:r>
-                        <a:rPr lang="ko-KR" altLang="en-US" sz="1200" dirty="0"/>
+                        <a:rPr lang="ko-KR" altLang="en-US" sz="1200"/>
                         <a:t>돈을 지불할 수록 세부 설정을 할 수 있는 항목 해금 가능</a:t>
                       </a:r>
                       <a:r>
-                        <a:rPr lang="en-US" altLang="ko-KR" sz="1200" dirty="0"/>
+                        <a:rPr lang="en-US" altLang="ko-KR" sz="1200"/>
                         <a:t>. </a:t>
                       </a:r>
                       <a:r>
-                        <a:rPr lang="ko-KR" altLang="en-US" sz="1200" dirty="0"/>
+                        <a:rPr lang="ko-KR" altLang="en-US" sz="1200"/>
                         <a:t>처음엔 몬스터만 가능</a:t>
                       </a:r>
+                      <a:endParaRPr lang="ko-KR" altLang="en-US" sz="1200" dirty="0"/>
                     </a:p>
                   </a:txBody>
                   <a:tcPr anchor="ctr"/>
@@ -36718,9 +36069,10 @@
                     <a:p>
                       <a:pPr latinLnBrk="1"/>
                       <a:r>
-                        <a:rPr lang="ko-KR" altLang="en-US" sz="1200" dirty="0"/>
+                        <a:rPr lang="ko-KR" altLang="en-US" sz="1200"/>
                         <a:t>맵</a:t>
                       </a:r>
+                      <a:endParaRPr lang="ko-KR" altLang="en-US" sz="1200" dirty="0"/>
                     </a:p>
                   </a:txBody>
                   <a:tcPr anchor="ctr"/>
@@ -36732,11 +36084,11 @@
                     <a:p>
                       <a:pPr latinLnBrk="1"/>
                       <a:r>
-                        <a:rPr lang="ko-KR" altLang="en-US" sz="1200" dirty="0"/>
+                        <a:rPr lang="ko-KR" altLang="en-US" sz="1200"/>
                         <a:t>몬스터가 이동하는 경로이다</a:t>
                       </a:r>
                       <a:r>
-                        <a:rPr lang="en-US" altLang="ko-KR" sz="1200" dirty="0"/>
+                        <a:rPr lang="en-US" altLang="ko-KR" sz="1200"/>
                         <a:t>.</a:t>
                       </a:r>
                       <a:endParaRPr lang="ko-KR" altLang="en-US" sz="1200" dirty="0"/>
@@ -36769,9 +36121,10 @@
                     <a:p>
                       <a:pPr latinLnBrk="1"/>
                       <a:r>
-                        <a:rPr lang="ko-KR" altLang="en-US" sz="1200" dirty="0"/>
+                        <a:rPr lang="ko-KR" altLang="en-US" sz="1200"/>
                         <a:t>플레이어</a:t>
                       </a:r>
+                      <a:endParaRPr lang="ko-KR" altLang="en-US" sz="1200" dirty="0"/>
                     </a:p>
                   </a:txBody>
                   <a:tcPr anchor="ctr"/>
@@ -36783,9 +36136,10 @@
                     <a:p>
                       <a:pPr latinLnBrk="1"/>
                       <a:r>
-                        <a:rPr lang="ko-KR" altLang="en-US" sz="1200" dirty="0"/>
+                        <a:rPr lang="ko-KR" altLang="en-US" sz="1200"/>
                         <a:t>플레이어가 이동한다 좌우로</a:t>
                       </a:r>
+                      <a:endParaRPr lang="ko-KR" altLang="en-US" sz="1200" dirty="0"/>
                     </a:p>
                   </a:txBody>
                   <a:tcPr anchor="ctr"/>
@@ -36922,238 +36276,6 @@
       </p:graphicFrame>
       <p:sp>
         <p:nvSpPr>
-          <p:cNvPr id="24" name="타원 23">
-            <a:extLst>
-              <a:ext uri="{FF2B5EF4-FFF2-40B4-BE49-F238E27FC236}">
-                <a16:creationId xmlns:a16="http://schemas.microsoft.com/office/drawing/2014/main" id="{97182A1D-5912-2DDB-C776-C7B35D786BF8}"/>
-              </a:ext>
-            </a:extLst>
-          </p:cNvPr>
-          <p:cNvSpPr/>
-          <p:nvPr/>
-        </p:nvSpPr>
-        <p:spPr>
-          <a:xfrm>
-            <a:off x="755576" y="2636912"/>
-            <a:ext cx="216024" cy="216024"/>
-          </a:xfrm>
-          <a:prstGeom prst="ellipse">
-            <a:avLst/>
-          </a:prstGeom>
-        </p:spPr>
-        <p:style>
-          <a:lnRef idx="2">
-            <a:schemeClr val="accent1">
-              <a:shade val="50000"/>
-            </a:schemeClr>
-          </a:lnRef>
-          <a:fillRef idx="1">
-            <a:schemeClr val="accent1"/>
-          </a:fillRef>
-          <a:effectRef idx="0">
-            <a:schemeClr val="accent1"/>
-          </a:effectRef>
-          <a:fontRef idx="minor">
-            <a:schemeClr val="lt1"/>
-          </a:fontRef>
-        </p:style>
-        <p:txBody>
-          <a:bodyPr rtlCol="0" anchor="ctr"/>
-          <a:lstStyle/>
-          <a:p>
-            <a:pPr algn="ctr"/>
-            <a:r>
-              <a:rPr lang="en-US" altLang="ko-KR" sz="1200" dirty="0">
-                <a:solidFill>
-                  <a:schemeClr val="bg1"/>
-                </a:solidFill>
-              </a:rPr>
-              <a:t>1</a:t>
-            </a:r>
-            <a:endParaRPr lang="ko-KR" altLang="en-US" sz="1200" dirty="0">
-              <a:solidFill>
-                <a:schemeClr val="bg1"/>
-              </a:solidFill>
-            </a:endParaRPr>
-          </a:p>
-        </p:txBody>
-      </p:sp>
-      <p:sp>
-        <p:nvSpPr>
-          <p:cNvPr id="25" name="타원 24">
-            <a:extLst>
-              <a:ext uri="{FF2B5EF4-FFF2-40B4-BE49-F238E27FC236}">
-                <a16:creationId xmlns:a16="http://schemas.microsoft.com/office/drawing/2014/main" id="{2A7472E8-1E8B-E0B9-B943-ECF9D615A28E}"/>
-              </a:ext>
-            </a:extLst>
-          </p:cNvPr>
-          <p:cNvSpPr/>
-          <p:nvPr/>
-        </p:nvSpPr>
-        <p:spPr>
-          <a:xfrm>
-            <a:off x="3100874" y="2733448"/>
-            <a:ext cx="216024" cy="216024"/>
-          </a:xfrm>
-          <a:prstGeom prst="ellipse">
-            <a:avLst/>
-          </a:prstGeom>
-        </p:spPr>
-        <p:style>
-          <a:lnRef idx="2">
-            <a:schemeClr val="accent1">
-              <a:shade val="50000"/>
-            </a:schemeClr>
-          </a:lnRef>
-          <a:fillRef idx="1">
-            <a:schemeClr val="accent1"/>
-          </a:fillRef>
-          <a:effectRef idx="0">
-            <a:schemeClr val="accent1"/>
-          </a:effectRef>
-          <a:fontRef idx="minor">
-            <a:schemeClr val="lt1"/>
-          </a:fontRef>
-        </p:style>
-        <p:txBody>
-          <a:bodyPr rtlCol="0" anchor="ctr"/>
-          <a:lstStyle/>
-          <a:p>
-            <a:pPr algn="ctr"/>
-            <a:r>
-              <a:rPr lang="en-US" altLang="ko-KR" sz="1200" dirty="0">
-                <a:solidFill>
-                  <a:schemeClr val="bg1"/>
-                </a:solidFill>
-              </a:rPr>
-              <a:t>2</a:t>
-            </a:r>
-            <a:endParaRPr lang="ko-KR" altLang="en-US" sz="1200" dirty="0">
-              <a:solidFill>
-                <a:schemeClr val="bg1"/>
-              </a:solidFill>
-            </a:endParaRPr>
-          </a:p>
-        </p:txBody>
-      </p:sp>
-      <p:sp>
-        <p:nvSpPr>
-          <p:cNvPr id="26" name="타원 25">
-            <a:extLst>
-              <a:ext uri="{FF2B5EF4-FFF2-40B4-BE49-F238E27FC236}">
-                <a16:creationId xmlns:a16="http://schemas.microsoft.com/office/drawing/2014/main" id="{D72FD08D-B412-3E3B-AAC9-3E26A3DB0B3D}"/>
-              </a:ext>
-            </a:extLst>
-          </p:cNvPr>
-          <p:cNvSpPr/>
-          <p:nvPr/>
-        </p:nvSpPr>
-        <p:spPr>
-          <a:xfrm>
-            <a:off x="3064571" y="3554200"/>
-            <a:ext cx="216024" cy="216024"/>
-          </a:xfrm>
-          <a:prstGeom prst="ellipse">
-            <a:avLst/>
-          </a:prstGeom>
-        </p:spPr>
-        <p:style>
-          <a:lnRef idx="2">
-            <a:schemeClr val="accent1">
-              <a:shade val="50000"/>
-            </a:schemeClr>
-          </a:lnRef>
-          <a:fillRef idx="1">
-            <a:schemeClr val="accent1"/>
-          </a:fillRef>
-          <a:effectRef idx="0">
-            <a:schemeClr val="accent1"/>
-          </a:effectRef>
-          <a:fontRef idx="minor">
-            <a:schemeClr val="lt1"/>
-          </a:fontRef>
-        </p:style>
-        <p:txBody>
-          <a:bodyPr rtlCol="0" anchor="ctr"/>
-          <a:lstStyle/>
-          <a:p>
-            <a:pPr algn="ctr"/>
-            <a:r>
-              <a:rPr lang="en-US" altLang="ko-KR" sz="1200" dirty="0">
-                <a:solidFill>
-                  <a:schemeClr val="bg1"/>
-                </a:solidFill>
-              </a:rPr>
-              <a:t>3</a:t>
-            </a:r>
-            <a:endParaRPr lang="ko-KR" altLang="en-US" sz="1200" dirty="0">
-              <a:solidFill>
-                <a:schemeClr val="bg1"/>
-              </a:solidFill>
-            </a:endParaRPr>
-          </a:p>
-        </p:txBody>
-      </p:sp>
-      <p:sp>
-        <p:nvSpPr>
-          <p:cNvPr id="27" name="타원 26">
-            <a:extLst>
-              <a:ext uri="{FF2B5EF4-FFF2-40B4-BE49-F238E27FC236}">
-                <a16:creationId xmlns:a16="http://schemas.microsoft.com/office/drawing/2014/main" id="{08C371EF-113C-FE08-61AF-98EEB1F936A8}"/>
-              </a:ext>
-            </a:extLst>
-          </p:cNvPr>
-          <p:cNvSpPr/>
-          <p:nvPr/>
-        </p:nvSpPr>
-        <p:spPr>
-          <a:xfrm>
-            <a:off x="1681346" y="5375312"/>
-            <a:ext cx="216024" cy="216024"/>
-          </a:xfrm>
-          <a:prstGeom prst="ellipse">
-            <a:avLst/>
-          </a:prstGeom>
-        </p:spPr>
-        <p:style>
-          <a:lnRef idx="2">
-            <a:schemeClr val="accent1">
-              <a:shade val="50000"/>
-            </a:schemeClr>
-          </a:lnRef>
-          <a:fillRef idx="1">
-            <a:schemeClr val="accent1"/>
-          </a:fillRef>
-          <a:effectRef idx="0">
-            <a:schemeClr val="accent1"/>
-          </a:effectRef>
-          <a:fontRef idx="minor">
-            <a:schemeClr val="lt1"/>
-          </a:fontRef>
-        </p:style>
-        <p:txBody>
-          <a:bodyPr rtlCol="0" anchor="ctr"/>
-          <a:lstStyle/>
-          <a:p>
-            <a:pPr algn="ctr"/>
-            <a:r>
-              <a:rPr lang="en-US" altLang="ko-KR" sz="1200" dirty="0">
-                <a:solidFill>
-                  <a:schemeClr val="bg1"/>
-                </a:solidFill>
-              </a:rPr>
-              <a:t>5</a:t>
-            </a:r>
-            <a:endParaRPr lang="ko-KR" altLang="en-US" sz="1200" dirty="0">
-              <a:solidFill>
-                <a:schemeClr val="bg1"/>
-              </a:solidFill>
-            </a:endParaRPr>
-          </a:p>
-        </p:txBody>
-      </p:sp>
-      <p:sp>
-        <p:nvSpPr>
           <p:cNvPr id="28" name="타원 27">
             <a:extLst>
               <a:ext uri="{FF2B5EF4-FFF2-40B4-BE49-F238E27FC236}">
@@ -37261,71 +36383,6 @@
               <a:t>2</a:t>
             </a:r>
             <a:endParaRPr lang="ko-KR" altLang="en-US" sz="1200" dirty="0">
-              <a:solidFill>
-                <a:schemeClr val="bg1"/>
-              </a:solidFill>
-            </a:endParaRPr>
-          </a:p>
-        </p:txBody>
-      </p:sp>
-      <p:sp>
-        <p:nvSpPr>
-          <p:cNvPr id="30" name="TextBox 29">
-            <a:extLst>
-              <a:ext uri="{FF2B5EF4-FFF2-40B4-BE49-F238E27FC236}">
-                <a16:creationId xmlns:a16="http://schemas.microsoft.com/office/drawing/2014/main" id="{8BAD1F5D-8C68-FD9B-DBB1-6D393C9BAC47}"/>
-              </a:ext>
-            </a:extLst>
-          </p:cNvPr>
-          <p:cNvSpPr txBox="1"/>
-          <p:nvPr/>
-        </p:nvSpPr>
-        <p:spPr>
-          <a:xfrm flipH="1">
-            <a:off x="3085702" y="2210739"/>
-            <a:ext cx="1708289" cy="454292"/>
-          </a:xfrm>
-          <a:prstGeom prst="rect">
-            <a:avLst/>
-          </a:prstGeom>
-          <a:noFill/>
-        </p:spPr>
-        <p:style>
-          <a:lnRef idx="2">
-            <a:schemeClr val="accent1">
-              <a:shade val="50000"/>
-            </a:schemeClr>
-          </a:lnRef>
-          <a:fillRef idx="1">
-            <a:schemeClr val="accent1"/>
-          </a:fillRef>
-          <a:effectRef idx="0">
-            <a:schemeClr val="accent1"/>
-          </a:effectRef>
-          <a:fontRef idx="minor">
-            <a:schemeClr val="lt1"/>
-          </a:fontRef>
-        </p:style>
-        <p:txBody>
-          <a:bodyPr wrap="square" rtlCol="0">
-            <a:spAutoFit/>
-          </a:bodyPr>
-          <a:lstStyle/>
-          <a:p>
-            <a:pPr>
-              <a:lnSpc>
-                <a:spcPct val="150000"/>
-              </a:lnSpc>
-            </a:pPr>
-            <a:r>
-              <a:rPr lang="ko-KR" altLang="en-US" dirty="0">
-                <a:solidFill>
-                  <a:schemeClr val="bg1"/>
-                </a:solidFill>
-              </a:rPr>
-              <a:t>교육버튼</a:t>
-            </a:r>
-            <a:endParaRPr lang="en-US" altLang="ko-KR" dirty="0">
               <a:solidFill>
                 <a:schemeClr val="bg1"/>
               </a:solidFill>
@@ -37451,217 +36508,6 @@
       </p:sp>
       <p:sp>
         <p:nvSpPr>
-          <p:cNvPr id="33" name="직사각형 32">
-            <a:extLst>
-              <a:ext uri="{FF2B5EF4-FFF2-40B4-BE49-F238E27FC236}">
-                <a16:creationId xmlns:a16="http://schemas.microsoft.com/office/drawing/2014/main" id="{AD1B4FDB-AA98-9EB4-27D4-E862C76FAEDA}"/>
-              </a:ext>
-            </a:extLst>
-          </p:cNvPr>
-          <p:cNvSpPr/>
-          <p:nvPr/>
-        </p:nvSpPr>
-        <p:spPr>
-          <a:xfrm>
-            <a:off x="412449" y="3429000"/>
-            <a:ext cx="216024" cy="1308949"/>
-          </a:xfrm>
-          <a:prstGeom prst="rect">
-            <a:avLst/>
-          </a:prstGeom>
-          <a:noFill/>
-        </p:spPr>
-        <p:style>
-          <a:lnRef idx="2">
-            <a:schemeClr val="accent1">
-              <a:shade val="50000"/>
-            </a:schemeClr>
-          </a:lnRef>
-          <a:fillRef idx="1">
-            <a:schemeClr val="accent1"/>
-          </a:fillRef>
-          <a:effectRef idx="0">
-            <a:schemeClr val="accent1"/>
-          </a:effectRef>
-          <a:fontRef idx="minor">
-            <a:schemeClr val="lt1"/>
-          </a:fontRef>
-        </p:style>
-        <p:txBody>
-          <a:bodyPr rtlCol="0" anchor="ctr"/>
-          <a:lstStyle/>
-          <a:p>
-            <a:pPr algn="ctr"/>
-            <a:endParaRPr lang="ko-KR" altLang="en-US">
-              <a:solidFill>
-                <a:schemeClr val="bg1"/>
-              </a:solidFill>
-            </a:endParaRPr>
-          </a:p>
-        </p:txBody>
-      </p:sp>
-      <p:sp>
-        <p:nvSpPr>
-          <p:cNvPr id="34" name="직사각형 33">
-            <a:extLst>
-              <a:ext uri="{FF2B5EF4-FFF2-40B4-BE49-F238E27FC236}">
-                <a16:creationId xmlns:a16="http://schemas.microsoft.com/office/drawing/2014/main" id="{E8F0CB46-5AD1-7963-AC87-5AF5DDF2A542}"/>
-              </a:ext>
-            </a:extLst>
-          </p:cNvPr>
-          <p:cNvSpPr/>
-          <p:nvPr/>
-        </p:nvSpPr>
-        <p:spPr>
-          <a:xfrm>
-            <a:off x="1422656" y="3429000"/>
-            <a:ext cx="216024" cy="1308949"/>
-          </a:xfrm>
-          <a:prstGeom prst="rect">
-            <a:avLst/>
-          </a:prstGeom>
-          <a:noFill/>
-        </p:spPr>
-        <p:style>
-          <a:lnRef idx="2">
-            <a:schemeClr val="accent1">
-              <a:shade val="50000"/>
-            </a:schemeClr>
-          </a:lnRef>
-          <a:fillRef idx="1">
-            <a:schemeClr val="accent1"/>
-          </a:fillRef>
-          <a:effectRef idx="0">
-            <a:schemeClr val="accent1"/>
-          </a:effectRef>
-          <a:fontRef idx="minor">
-            <a:schemeClr val="lt1"/>
-          </a:fontRef>
-        </p:style>
-        <p:txBody>
-          <a:bodyPr rtlCol="0" anchor="ctr"/>
-          <a:lstStyle/>
-          <a:p>
-            <a:pPr algn="ctr"/>
-            <a:endParaRPr lang="ko-KR" altLang="en-US">
-              <a:solidFill>
-                <a:schemeClr val="bg1"/>
-              </a:solidFill>
-            </a:endParaRPr>
-          </a:p>
-        </p:txBody>
-      </p:sp>
-      <p:sp>
-        <p:nvSpPr>
-          <p:cNvPr id="35" name="직사각형 34">
-            <a:extLst>
-              <a:ext uri="{FF2B5EF4-FFF2-40B4-BE49-F238E27FC236}">
-                <a16:creationId xmlns:a16="http://schemas.microsoft.com/office/drawing/2014/main" id="{77D5FB8A-862F-F484-C971-C5F4442C2B72}"/>
-              </a:ext>
-            </a:extLst>
-          </p:cNvPr>
-          <p:cNvSpPr/>
-          <p:nvPr/>
-        </p:nvSpPr>
-        <p:spPr>
-          <a:xfrm>
-            <a:off x="2402045" y="3449745"/>
-            <a:ext cx="216024" cy="1308949"/>
-          </a:xfrm>
-          <a:prstGeom prst="rect">
-            <a:avLst/>
-          </a:prstGeom>
-          <a:noFill/>
-        </p:spPr>
-        <p:style>
-          <a:lnRef idx="2">
-            <a:schemeClr val="accent1">
-              <a:shade val="50000"/>
-            </a:schemeClr>
-          </a:lnRef>
-          <a:fillRef idx="1">
-            <a:schemeClr val="accent1"/>
-          </a:fillRef>
-          <a:effectRef idx="0">
-            <a:schemeClr val="accent1"/>
-          </a:effectRef>
-          <a:fontRef idx="minor">
-            <a:schemeClr val="lt1"/>
-          </a:fontRef>
-        </p:style>
-        <p:txBody>
-          <a:bodyPr rtlCol="0" anchor="ctr"/>
-          <a:lstStyle/>
-          <a:p>
-            <a:pPr algn="ctr"/>
-            <a:endParaRPr lang="ko-KR" altLang="en-US">
-              <a:solidFill>
-                <a:schemeClr val="bg1"/>
-              </a:solidFill>
-            </a:endParaRPr>
-          </a:p>
-        </p:txBody>
-      </p:sp>
-      <p:sp>
-        <p:nvSpPr>
-          <p:cNvPr id="36" name="타원 35">
-            <a:extLst>
-              <a:ext uri="{FF2B5EF4-FFF2-40B4-BE49-F238E27FC236}">
-                <a16:creationId xmlns:a16="http://schemas.microsoft.com/office/drawing/2014/main" id="{889CAD09-FB5D-8008-6F73-E68F5A1F3E7A}"/>
-              </a:ext>
-            </a:extLst>
-          </p:cNvPr>
-          <p:cNvSpPr/>
-          <p:nvPr/>
-        </p:nvSpPr>
-        <p:spPr>
-          <a:xfrm>
-            <a:off x="1160440" y="3961402"/>
-            <a:ext cx="216024" cy="216024"/>
-          </a:xfrm>
-          <a:prstGeom prst="ellipse">
-            <a:avLst/>
-          </a:prstGeom>
-        </p:spPr>
-        <p:style>
-          <a:lnRef idx="2">
-            <a:schemeClr val="accent1">
-              <a:shade val="50000"/>
-            </a:schemeClr>
-          </a:lnRef>
-          <a:fillRef idx="1">
-            <a:schemeClr val="accent1"/>
-          </a:fillRef>
-          <a:effectRef idx="0">
-            <a:schemeClr val="accent1"/>
-          </a:effectRef>
-          <a:fontRef idx="minor">
-            <a:schemeClr val="lt1"/>
-          </a:fontRef>
-        </p:style>
-        <p:txBody>
-          <a:bodyPr rtlCol="0" anchor="ctr"/>
-          <a:lstStyle/>
-          <a:p>
-            <a:pPr algn="ctr"/>
-            <a:r>
-              <a:rPr lang="en-US" altLang="ko-KR" sz="1200" dirty="0">
-                <a:solidFill>
-                  <a:schemeClr val="bg1"/>
-                </a:solidFill>
-              </a:rPr>
-              <a:t>4</a:t>
-            </a:r>
-            <a:endParaRPr lang="ko-KR" altLang="en-US" sz="1200" dirty="0">
-              <a:solidFill>
-                <a:schemeClr val="bg1"/>
-              </a:solidFill>
-            </a:endParaRPr>
-          </a:p>
-        </p:txBody>
-      </p:sp>
-      <p:sp>
-        <p:nvSpPr>
           <p:cNvPr id="37" name="타원 36">
             <a:extLst>
               <a:ext uri="{FF2B5EF4-FFF2-40B4-BE49-F238E27FC236}">
@@ -37733,7 +36579,7 @@
         <p:spPr>
           <a:xfrm>
             <a:off x="209550" y="1552575"/>
-            <a:ext cx="4722490" cy="369332"/>
+            <a:ext cx="4722490" cy="400110"/>
           </a:xfrm>
           <a:prstGeom prst="rect">
             <a:avLst/>
@@ -37747,18 +36593,192 @@
           <a:lstStyle/>
           <a:p>
             <a:r>
-              <a:rPr lang="en-US" altLang="ko-KR" dirty="0">
+              <a:rPr lang="en-US" altLang="ko-KR" sz="2000" dirty="0">
                 <a:latin typeface="맑은 고딕" panose="020B0503020000020004" pitchFamily="50" charset="-127"/>
                 <a:ea typeface="맑은 고딕" panose="020B0503020000020004" pitchFamily="50" charset="-127"/>
               </a:rPr>
               <a:t>3-1. </a:t>
             </a:r>
             <a:r>
+              <a:rPr lang="ko-KR" altLang="en-US" sz="2000" dirty="0">
+                <a:latin typeface="맑은 고딕" panose="020B0503020000020004" pitchFamily="50" charset="-127"/>
+                <a:ea typeface="맑은 고딕" panose="020B0503020000020004" pitchFamily="50" charset="-127"/>
+              </a:rPr>
+              <a:t>로비 시스템</a:t>
+            </a:r>
+          </a:p>
+        </p:txBody>
+      </p:sp>
+      <p:sp>
+        <p:nvSpPr>
+          <p:cNvPr id="44" name="직사각형 43">
+            <a:extLst>
+              <a:ext uri="{FF2B5EF4-FFF2-40B4-BE49-F238E27FC236}">
+                <a16:creationId xmlns:a16="http://schemas.microsoft.com/office/drawing/2014/main" id="{E4DDB65B-CBB7-AB7B-122C-368EDC321962}"/>
+              </a:ext>
+            </a:extLst>
+          </p:cNvPr>
+          <p:cNvSpPr/>
+          <p:nvPr/>
+        </p:nvSpPr>
+        <p:spPr>
+          <a:xfrm>
+            <a:off x="356305" y="5661660"/>
+            <a:ext cx="649535" cy="296240"/>
+          </a:xfrm>
+          <a:prstGeom prst="rect">
+            <a:avLst/>
+          </a:prstGeom>
+          <a:noFill/>
+          <a:ln>
+            <a:solidFill>
+              <a:schemeClr val="tx1"/>
+            </a:solidFill>
+          </a:ln>
+        </p:spPr>
+        <p:style>
+          <a:lnRef idx="2">
+            <a:schemeClr val="accent1">
+              <a:shade val="50000"/>
+            </a:schemeClr>
+          </a:lnRef>
+          <a:fillRef idx="1">
+            <a:schemeClr val="accent1"/>
+          </a:fillRef>
+          <a:effectRef idx="0">
+            <a:schemeClr val="accent1"/>
+          </a:effectRef>
+          <a:fontRef idx="minor">
+            <a:schemeClr val="lt1"/>
+          </a:fontRef>
+        </p:style>
+        <p:txBody>
+          <a:bodyPr rtlCol="0" anchor="ctr"/>
+          <a:lstStyle/>
+          <a:p>
+            <a:pPr algn="ctr"/>
+            <a:r>
               <a:rPr lang="ko-KR" altLang="en-US" dirty="0">
                 <a:latin typeface="맑은 고딕" panose="020B0503020000020004" pitchFamily="50" charset="-127"/>
                 <a:ea typeface="맑은 고딕" panose="020B0503020000020004" pitchFamily="50" charset="-127"/>
               </a:rPr>
-              <a:t>교육시스템</a:t>
+              <a:t>교육</a:t>
+            </a:r>
+          </a:p>
+        </p:txBody>
+      </p:sp>
+      <p:sp>
+        <p:nvSpPr>
+          <p:cNvPr id="45" name="직사각형 44">
+            <a:extLst>
+              <a:ext uri="{FF2B5EF4-FFF2-40B4-BE49-F238E27FC236}">
+                <a16:creationId xmlns:a16="http://schemas.microsoft.com/office/drawing/2014/main" id="{2CC557B7-739A-32E0-4522-E33DD1793B46}"/>
+              </a:ext>
+            </a:extLst>
+          </p:cNvPr>
+          <p:cNvSpPr/>
+          <p:nvPr/>
+        </p:nvSpPr>
+        <p:spPr>
+          <a:xfrm>
+            <a:off x="1005840" y="5661660"/>
+            <a:ext cx="649535" cy="296240"/>
+          </a:xfrm>
+          <a:prstGeom prst="rect">
+            <a:avLst/>
+          </a:prstGeom>
+          <a:noFill/>
+          <a:ln>
+            <a:solidFill>
+              <a:schemeClr val="tx1"/>
+            </a:solidFill>
+          </a:ln>
+        </p:spPr>
+        <p:style>
+          <a:lnRef idx="2">
+            <a:schemeClr val="accent1">
+              <a:shade val="50000"/>
+            </a:schemeClr>
+          </a:lnRef>
+          <a:fillRef idx="1">
+            <a:schemeClr val="accent1"/>
+          </a:fillRef>
+          <a:effectRef idx="0">
+            <a:schemeClr val="accent1"/>
+          </a:effectRef>
+          <a:fontRef idx="minor">
+            <a:schemeClr val="lt1"/>
+          </a:fontRef>
+        </p:style>
+        <p:txBody>
+          <a:bodyPr rtlCol="0" anchor="ctr"/>
+          <a:lstStyle/>
+          <a:p>
+            <a:pPr algn="ctr"/>
+            <a:r>
+              <a:rPr lang="ko-KR" altLang="en-US" dirty="0">
+                <a:latin typeface="맑은 고딕" panose="020B0503020000020004" pitchFamily="50" charset="-127"/>
+                <a:ea typeface="맑은 고딕" panose="020B0503020000020004" pitchFamily="50" charset="-127"/>
+              </a:rPr>
+              <a:t>상점</a:t>
+            </a:r>
+          </a:p>
+        </p:txBody>
+      </p:sp>
+      <p:sp>
+        <p:nvSpPr>
+          <p:cNvPr id="46" name="직사각형 45">
+            <a:extLst>
+              <a:ext uri="{FF2B5EF4-FFF2-40B4-BE49-F238E27FC236}">
+                <a16:creationId xmlns:a16="http://schemas.microsoft.com/office/drawing/2014/main" id="{B49E6689-1CCC-777D-0A71-DA651434C3C9}"/>
+              </a:ext>
+            </a:extLst>
+          </p:cNvPr>
+          <p:cNvSpPr/>
+          <p:nvPr/>
+        </p:nvSpPr>
+        <p:spPr>
+          <a:xfrm>
+            <a:off x="1640135" y="5661660"/>
+            <a:ext cx="649535" cy="296240"/>
+          </a:xfrm>
+          <a:prstGeom prst="rect">
+            <a:avLst/>
+          </a:prstGeom>
+          <a:noFill/>
+          <a:ln>
+            <a:solidFill>
+              <a:schemeClr val="tx1"/>
+            </a:solidFill>
+          </a:ln>
+        </p:spPr>
+        <p:style>
+          <a:lnRef idx="2">
+            <a:schemeClr val="accent1">
+              <a:shade val="50000"/>
+            </a:schemeClr>
+          </a:lnRef>
+          <a:fillRef idx="1">
+            <a:schemeClr val="accent1"/>
+          </a:fillRef>
+          <a:effectRef idx="0">
+            <a:schemeClr val="accent1"/>
+          </a:effectRef>
+          <a:fontRef idx="minor">
+            <a:schemeClr val="lt1"/>
+          </a:fontRef>
+        </p:style>
+        <p:txBody>
+          <a:bodyPr rtlCol="0" anchor="ctr"/>
+          <a:lstStyle/>
+          <a:p>
+            <a:pPr algn="ctr"/>
+            <a:r>
+              <a:rPr lang="ko-KR" altLang="en-US" dirty="0">
+                <a:latin typeface="맑은 고딕" panose="020B0503020000020004" pitchFamily="50" charset="-127"/>
+                <a:ea typeface="맑은 고딕" panose="020B0503020000020004" pitchFamily="50" charset="-127"/>
+              </a:rPr>
+              <a:t>현정</a:t>
             </a:r>
           </a:p>
         </p:txBody>

--- a/GDD/컨셉/로비시스템기획서.pptx
+++ b/GDD/컨셉/로비시스템기획서.pptx
@@ -35668,7 +35668,7 @@
         </p:blipFill>
         <p:spPr>
           <a:xfrm>
-            <a:off x="60960" y="2507768"/>
+            <a:off x="75156" y="2528900"/>
             <a:ext cx="2716426" cy="2529608"/>
           </a:xfrm>
           <a:prstGeom prst="rect">
@@ -35828,14 +35828,14 @@
           <p:nvPr>
             <p:extLst>
               <p:ext uri="{D42A27DB-BD31-4B8C-83A1-F6EECF244321}">
-                <p14:modId xmlns:p14="http://schemas.microsoft.com/office/powerpoint/2010/main" val="768449487"/>
+                <p14:modId xmlns:p14="http://schemas.microsoft.com/office/powerpoint/2010/main" val="3328962729"/>
               </p:ext>
             </p:extLst>
           </p:nvPr>
         </p:nvGraphicFramePr>
         <p:xfrm>
           <a:off x="4886375" y="2347559"/>
-          <a:ext cx="4150121" cy="3408680"/>
+          <a:ext cx="4150121" cy="3398520"/>
         </p:xfrm>
         <a:graphic>
           <a:graphicData uri="http://schemas.openxmlformats.org/drawingml/2006/table">
@@ -35873,7 +35873,10 @@
                     <a:lstStyle/>
                     <a:p>
                       <a:pPr latinLnBrk="1"/>
-                      <a:endParaRPr lang="ko-KR" altLang="en-US" sz="1200" dirty="0"/>
+                      <a:endParaRPr lang="ko-KR" altLang="en-US" sz="1200" dirty="0">
+                        <a:latin typeface="맑은 고딕" panose="020B0503020000020004" pitchFamily="50" charset="-127"/>
+                        <a:ea typeface="맑은 고딕" panose="020B0503020000020004" pitchFamily="50" charset="-127"/>
+                      </a:endParaRPr>
                     </a:p>
                   </a:txBody>
                   <a:tcPr/>
@@ -35885,10 +35888,12 @@
                     <a:p>
                       <a:pPr latinLnBrk="1"/>
                       <a:r>
-                        <a:rPr lang="ko-KR" altLang="en-US" sz="1200"/>
-                        <a:t>몬스터가 나오는 위치</a:t>
+                        <a:rPr lang="ko-KR" altLang="en-US" sz="1200" dirty="0">
+                          <a:latin typeface="맑은 고딕" panose="020B0503020000020004" pitchFamily="50" charset="-127"/>
+                          <a:ea typeface="맑은 고딕" panose="020B0503020000020004" pitchFamily="50" charset="-127"/>
+                        </a:rPr>
+                        <a:t>골드</a:t>
                       </a:r>
-                      <a:endParaRPr lang="ko-KR" altLang="en-US" sz="1200" dirty="0"/>
                     </a:p>
                   </a:txBody>
                   <a:tcPr anchor="ctr"/>
@@ -35900,14 +35905,44 @@
                     <a:p>
                       <a:pPr latinLnBrk="1"/>
                       <a:r>
-                        <a:rPr lang="ko-KR" altLang="en-US" sz="1200"/>
-                        <a:t>해당 위치에서 몬스터가 앞방향으로 전진한다</a:t>
+                        <a:rPr lang="ko-KR" altLang="en-US" sz="1200" dirty="0" err="1">
+                          <a:latin typeface="맑은 고딕" panose="020B0503020000020004" pitchFamily="50" charset="-127"/>
+                          <a:ea typeface="맑은 고딕" panose="020B0503020000020004" pitchFamily="50" charset="-127"/>
+                        </a:rPr>
+                        <a:t>몬스터잡고</a:t>
                       </a:r>
                       <a:r>
-                        <a:rPr lang="en-US" altLang="ko-KR" sz="1200"/>
-                        <a:t>.</a:t>
+                        <a:rPr lang="ko-KR" altLang="en-US" sz="1200" dirty="0">
+                          <a:latin typeface="맑은 고딕" panose="020B0503020000020004" pitchFamily="50" charset="-127"/>
+                          <a:ea typeface="맑은 고딕" panose="020B0503020000020004" pitchFamily="50" charset="-127"/>
+                        </a:rPr>
+                        <a:t> 시민 살리면 골드가 오른다</a:t>
                       </a:r>
-                      <a:endParaRPr lang="ko-KR" altLang="en-US" sz="1200" dirty="0"/>
+                      <a:r>
+                        <a:rPr lang="en-US" altLang="ko-KR" sz="1200" dirty="0">
+                          <a:latin typeface="맑은 고딕" panose="020B0503020000020004" pitchFamily="50" charset="-127"/>
+                          <a:ea typeface="맑은 고딕" panose="020B0503020000020004" pitchFamily="50" charset="-127"/>
+                        </a:rPr>
+                        <a:t>. </a:t>
+                      </a:r>
+                      <a:r>
+                        <a:rPr lang="ko-KR" altLang="en-US" sz="1200" dirty="0">
+                          <a:latin typeface="맑은 고딕" panose="020B0503020000020004" pitchFamily="50" charset="-127"/>
+                          <a:ea typeface="맑은 고딕" panose="020B0503020000020004" pitchFamily="50" charset="-127"/>
+                        </a:rPr>
+                        <a:t>그거 표시해주는 </a:t>
+                      </a:r>
+                      <a:r>
+                        <a:rPr lang="en-US" altLang="ko-KR" sz="1200" dirty="0">
+                          <a:latin typeface="맑은 고딕" panose="020B0503020000020004" pitchFamily="50" charset="-127"/>
+                          <a:ea typeface="맑은 고딕" panose="020B0503020000020004" pitchFamily="50" charset="-127"/>
+                        </a:rPr>
+                        <a:t>UI</a:t>
+                      </a:r>
+                      <a:endParaRPr lang="ko-KR" altLang="en-US" sz="1200" dirty="0">
+                        <a:latin typeface="맑은 고딕" panose="020B0503020000020004" pitchFamily="50" charset="-127"/>
+                        <a:ea typeface="맑은 고딕" panose="020B0503020000020004" pitchFamily="50" charset="-127"/>
+                      </a:endParaRPr>
                     </a:p>
                   </a:txBody>
                   <a:tcPr anchor="ctr"/>
@@ -35925,7 +35960,10 @@
                     <a:lstStyle/>
                     <a:p>
                       <a:pPr latinLnBrk="1"/>
-                      <a:endParaRPr lang="ko-KR" altLang="en-US" sz="1200"/>
+                      <a:endParaRPr lang="ko-KR" altLang="en-US" sz="1200">
+                        <a:latin typeface="맑은 고딕" panose="020B0503020000020004" pitchFamily="50" charset="-127"/>
+                        <a:ea typeface="맑은 고딕" panose="020B0503020000020004" pitchFamily="50" charset="-127"/>
+                      </a:endParaRPr>
                     </a:p>
                   </a:txBody>
                   <a:tcPr/>
@@ -35937,10 +35975,12 @@
                     <a:p>
                       <a:pPr latinLnBrk="1"/>
                       <a:r>
-                        <a:rPr lang="ko-KR" altLang="en-US" sz="1200"/>
-                        <a:t>교육 가능 버튼</a:t>
+                        <a:rPr lang="ko-KR" altLang="en-US" sz="1200" dirty="0">
+                          <a:latin typeface="맑은 고딕" panose="020B0503020000020004" pitchFamily="50" charset="-127"/>
+                          <a:ea typeface="맑은 고딕" panose="020B0503020000020004" pitchFamily="50" charset="-127"/>
+                        </a:rPr>
+                        <a:t>유닛</a:t>
                       </a:r>
-                      <a:endParaRPr lang="ko-KR" altLang="en-US" sz="1200" dirty="0"/>
                     </a:p>
                   </a:txBody>
                   <a:tcPr anchor="ctr"/>
@@ -35952,14 +35992,37 @@
                     <a:p>
                       <a:pPr latinLnBrk="1"/>
                       <a:r>
-                        <a:rPr lang="ko-KR" altLang="en-US" sz="1200"/>
-                        <a:t>해당 기능과 관련된 세부 설정을 할 수 있는 버튼이다</a:t>
+                        <a:rPr lang="ko-KR" altLang="en-US" sz="1200" dirty="0">
+                          <a:latin typeface="맑은 고딕" panose="020B0503020000020004" pitchFamily="50" charset="-127"/>
+                          <a:ea typeface="맑은 고딕" panose="020B0503020000020004" pitchFamily="50" charset="-127"/>
+                        </a:rPr>
+                        <a:t>시민이면 들어오면 골드</a:t>
                       </a:r>
                       <a:r>
-                        <a:rPr lang="en-US" altLang="ko-KR" sz="1200"/>
-                        <a:t>.</a:t>
+                        <a:rPr lang="en-US" altLang="ko-KR" sz="1200" dirty="0">
+                          <a:latin typeface="맑은 고딕" panose="020B0503020000020004" pitchFamily="50" charset="-127"/>
+                          <a:ea typeface="맑은 고딕" panose="020B0503020000020004" pitchFamily="50" charset="-127"/>
+                        </a:rPr>
+                        <a:t>, </a:t>
                       </a:r>
-                      <a:endParaRPr lang="ko-KR" altLang="en-US" sz="1200" dirty="0"/>
+                      <a:r>
+                        <a:rPr lang="ko-KR" altLang="en-US" sz="1200" dirty="0">
+                          <a:latin typeface="맑은 고딕" panose="020B0503020000020004" pitchFamily="50" charset="-127"/>
+                          <a:ea typeface="맑은 고딕" panose="020B0503020000020004" pitchFamily="50" charset="-127"/>
+                        </a:rPr>
+                        <a:t>좀비면 </a:t>
+                      </a:r>
+                      <a:r>
+                        <a:rPr lang="ko-KR" altLang="en-US" sz="1200" dirty="0" err="1">
+                          <a:latin typeface="맑은 고딕" panose="020B0503020000020004" pitchFamily="50" charset="-127"/>
+                          <a:ea typeface="맑은 고딕" panose="020B0503020000020004" pitchFamily="50" charset="-127"/>
+                        </a:rPr>
+                        <a:t>잡아야함</a:t>
+                      </a:r>
+                      <a:endParaRPr lang="ko-KR" altLang="en-US" sz="1200" dirty="0">
+                        <a:latin typeface="맑은 고딕" panose="020B0503020000020004" pitchFamily="50" charset="-127"/>
+                        <a:ea typeface="맑은 고딕" panose="020B0503020000020004" pitchFamily="50" charset="-127"/>
+                      </a:endParaRPr>
                     </a:p>
                   </a:txBody>
                   <a:tcPr anchor="ctr"/>
@@ -35977,7 +36040,10 @@
                     <a:lstStyle/>
                     <a:p>
                       <a:pPr latinLnBrk="1"/>
-                      <a:endParaRPr lang="ko-KR" altLang="en-US" sz="1200" dirty="0"/>
+                      <a:endParaRPr lang="ko-KR" altLang="en-US" sz="1200" dirty="0">
+                        <a:latin typeface="맑은 고딕" panose="020B0503020000020004" pitchFamily="50" charset="-127"/>
+                        <a:ea typeface="맑은 고딕" panose="020B0503020000020004" pitchFamily="50" charset="-127"/>
+                      </a:endParaRPr>
                     </a:p>
                   </a:txBody>
                   <a:tcPr/>
@@ -36005,10 +36071,12 @@
                         <a:defRPr/>
                       </a:pPr>
                       <a:r>
-                        <a:rPr lang="ko-KR" altLang="en-US" sz="1200"/>
-                        <a:t>교육 불가능 버튼</a:t>
+                        <a:rPr lang="ko-KR" altLang="en-US" sz="1200" dirty="0">
+                          <a:latin typeface="맑은 고딕" panose="020B0503020000020004" pitchFamily="50" charset="-127"/>
+                          <a:ea typeface="맑은 고딕" panose="020B0503020000020004" pitchFamily="50" charset="-127"/>
+                        </a:rPr>
+                        <a:t>가이드라인</a:t>
                       </a:r>
-                      <a:endParaRPr lang="ko-KR" altLang="en-US" sz="1200" dirty="0"/>
                     </a:p>
                   </a:txBody>
                   <a:tcPr anchor="ctr"/>
@@ -36020,26 +36088,37 @@
                     <a:p>
                       <a:pPr latinLnBrk="1"/>
                       <a:r>
-                        <a:rPr lang="ko-KR" altLang="en-US" sz="1200"/>
-                        <a:t>레벨</a:t>
+                        <a:rPr lang="ko-KR" altLang="en-US" sz="1200" dirty="0">
+                          <a:latin typeface="맑은 고딕" panose="020B0503020000020004" pitchFamily="50" charset="-127"/>
+                          <a:ea typeface="맑은 고딕" panose="020B0503020000020004" pitchFamily="50" charset="-127"/>
+                        </a:rPr>
+                        <a:t>가이드라인에 부딪힌 기준으로 시민이면 골드</a:t>
                       </a:r>
                       <a:r>
-                        <a:rPr lang="en-US" altLang="ko-KR" sz="1200"/>
-                        <a:t>, </a:t>
+                        <a:rPr lang="en-US" altLang="ko-KR" sz="1200" dirty="0">
+                          <a:latin typeface="맑은 고딕" panose="020B0503020000020004" pitchFamily="50" charset="-127"/>
+                          <a:ea typeface="맑은 고딕" panose="020B0503020000020004" pitchFamily="50" charset="-127"/>
+                        </a:rPr>
+                        <a:t>+, </a:t>
                       </a:r>
                       <a:r>
-                        <a:rPr lang="ko-KR" altLang="en-US" sz="1200"/>
-                        <a:t>돈을 지불할 수록 세부 설정을 할 수 있는 항목 해금 가능</a:t>
+                        <a:rPr lang="ko-KR" altLang="en-US" sz="1200" dirty="0">
+                          <a:latin typeface="맑은 고딕" panose="020B0503020000020004" pitchFamily="50" charset="-127"/>
+                          <a:ea typeface="맑은 고딕" panose="020B0503020000020004" pitchFamily="50" charset="-127"/>
+                        </a:rPr>
+                        <a:t>좀비면 골드</a:t>
                       </a:r>
                       <a:r>
-                        <a:rPr lang="en-US" altLang="ko-KR" sz="1200"/>
-                        <a:t>. </a:t>
+                        <a:rPr lang="en-US" altLang="ko-KR" sz="1200" dirty="0">
+                          <a:latin typeface="맑은 고딕" panose="020B0503020000020004" pitchFamily="50" charset="-127"/>
+                          <a:ea typeface="맑은 고딕" panose="020B0503020000020004" pitchFamily="50" charset="-127"/>
+                        </a:rPr>
+                        <a:t>-</a:t>
                       </a:r>
-                      <a:r>
-                        <a:rPr lang="ko-KR" altLang="en-US" sz="1200"/>
-                        <a:t>처음엔 몬스터만 가능</a:t>
-                      </a:r>
-                      <a:endParaRPr lang="ko-KR" altLang="en-US" sz="1200" dirty="0"/>
+                      <a:endParaRPr lang="ko-KR" altLang="en-US" sz="1200" dirty="0">
+                        <a:latin typeface="맑은 고딕" panose="020B0503020000020004" pitchFamily="50" charset="-127"/>
+                        <a:ea typeface="맑은 고딕" panose="020B0503020000020004" pitchFamily="50" charset="-127"/>
+                      </a:endParaRPr>
                     </a:p>
                   </a:txBody>
                   <a:tcPr anchor="ctr"/>
@@ -36057,7 +36136,10 @@
                     <a:lstStyle/>
                     <a:p>
                       <a:pPr latinLnBrk="1"/>
-                      <a:endParaRPr lang="ko-KR" altLang="en-US" sz="1200" dirty="0"/>
+                      <a:endParaRPr lang="ko-KR" altLang="en-US" sz="1200" dirty="0">
+                        <a:latin typeface="맑은 고딕" panose="020B0503020000020004" pitchFamily="50" charset="-127"/>
+                        <a:ea typeface="맑은 고딕" panose="020B0503020000020004" pitchFamily="50" charset="-127"/>
+                      </a:endParaRPr>
                     </a:p>
                   </a:txBody>
                   <a:tcPr/>
@@ -36069,10 +36151,16 @@
                     <a:p>
                       <a:pPr latinLnBrk="1"/>
                       <a:r>
-                        <a:rPr lang="ko-KR" altLang="en-US" sz="1200"/>
+                        <a:rPr lang="ko-KR" altLang="en-US" sz="1200">
+                          <a:latin typeface="맑은 고딕" panose="020B0503020000020004" pitchFamily="50" charset="-127"/>
+                          <a:ea typeface="맑은 고딕" panose="020B0503020000020004" pitchFamily="50" charset="-127"/>
+                        </a:rPr>
                         <a:t>맵</a:t>
                       </a:r>
-                      <a:endParaRPr lang="ko-KR" altLang="en-US" sz="1200" dirty="0"/>
+                      <a:endParaRPr lang="ko-KR" altLang="en-US" sz="1200" dirty="0">
+                        <a:latin typeface="맑은 고딕" panose="020B0503020000020004" pitchFamily="50" charset="-127"/>
+                        <a:ea typeface="맑은 고딕" panose="020B0503020000020004" pitchFamily="50" charset="-127"/>
+                      </a:endParaRPr>
                     </a:p>
                   </a:txBody>
                   <a:tcPr anchor="ctr"/>
@@ -36084,14 +36172,26 @@
                     <a:p>
                       <a:pPr latinLnBrk="1"/>
                       <a:r>
-                        <a:rPr lang="ko-KR" altLang="en-US" sz="1200"/>
+                        <a:rPr lang="ko-KR" altLang="en-US" sz="1200" dirty="0">
+                          <a:latin typeface="맑은 고딕" panose="020B0503020000020004" pitchFamily="50" charset="-127"/>
+                          <a:ea typeface="맑은 고딕" panose="020B0503020000020004" pitchFamily="50" charset="-127"/>
+                        </a:rPr>
                         <a:t>몬스터가 이동하는 경로이다</a:t>
                       </a:r>
                       <a:r>
-                        <a:rPr lang="en-US" altLang="ko-KR" sz="1200"/>
-                        <a:t>.</a:t>
+                        <a:rPr lang="en-US" altLang="ko-KR" sz="1200" dirty="0">
+                          <a:latin typeface="맑은 고딕" panose="020B0503020000020004" pitchFamily="50" charset="-127"/>
+                          <a:ea typeface="맑은 고딕" panose="020B0503020000020004" pitchFamily="50" charset="-127"/>
+                        </a:rPr>
+                        <a:t>. 1</a:t>
                       </a:r>
-                      <a:endParaRPr lang="ko-KR" altLang="en-US" sz="1200" dirty="0"/>
+                      <a:r>
+                        <a:rPr lang="ko-KR" altLang="en-US" sz="1200" dirty="0">
+                          <a:latin typeface="맑은 고딕" panose="020B0503020000020004" pitchFamily="50" charset="-127"/>
+                          <a:ea typeface="맑은 고딕" panose="020B0503020000020004" pitchFamily="50" charset="-127"/>
+                        </a:rPr>
+                        <a:t>직선으로 이동함</a:t>
+                      </a:r>
                     </a:p>
                   </a:txBody>
                   <a:tcPr anchor="ctr"/>
@@ -36109,7 +36209,10 @@
                     <a:lstStyle/>
                     <a:p>
                       <a:pPr latinLnBrk="1"/>
-                      <a:endParaRPr lang="ko-KR" altLang="en-US" sz="1200" dirty="0"/>
+                      <a:endParaRPr lang="ko-KR" altLang="en-US" sz="1200" dirty="0">
+                        <a:latin typeface="맑은 고딕" panose="020B0503020000020004" pitchFamily="50" charset="-127"/>
+                        <a:ea typeface="맑은 고딕" panose="020B0503020000020004" pitchFamily="50" charset="-127"/>
+                      </a:endParaRPr>
                     </a:p>
                   </a:txBody>
                   <a:tcPr/>
@@ -36121,10 +36224,16 @@
                     <a:p>
                       <a:pPr latinLnBrk="1"/>
                       <a:r>
-                        <a:rPr lang="ko-KR" altLang="en-US" sz="1200"/>
+                        <a:rPr lang="ko-KR" altLang="en-US" sz="1200">
+                          <a:latin typeface="맑은 고딕" panose="020B0503020000020004" pitchFamily="50" charset="-127"/>
+                          <a:ea typeface="맑은 고딕" panose="020B0503020000020004" pitchFamily="50" charset="-127"/>
+                        </a:rPr>
                         <a:t>플레이어</a:t>
                       </a:r>
-                      <a:endParaRPr lang="ko-KR" altLang="en-US" sz="1200" dirty="0"/>
+                      <a:endParaRPr lang="ko-KR" altLang="en-US" sz="1200" dirty="0">
+                        <a:latin typeface="맑은 고딕" panose="020B0503020000020004" pitchFamily="50" charset="-127"/>
+                        <a:ea typeface="맑은 고딕" panose="020B0503020000020004" pitchFamily="50" charset="-127"/>
+                      </a:endParaRPr>
                     </a:p>
                   </a:txBody>
                   <a:tcPr anchor="ctr"/>
@@ -36136,10 +36245,16 @@
                     <a:p>
                       <a:pPr latinLnBrk="1"/>
                       <a:r>
-                        <a:rPr lang="ko-KR" altLang="en-US" sz="1200"/>
+                        <a:rPr lang="ko-KR" altLang="en-US" sz="1200">
+                          <a:latin typeface="맑은 고딕" panose="020B0503020000020004" pitchFamily="50" charset="-127"/>
+                          <a:ea typeface="맑은 고딕" panose="020B0503020000020004" pitchFamily="50" charset="-127"/>
+                        </a:rPr>
                         <a:t>플레이어가 이동한다 좌우로</a:t>
                       </a:r>
-                      <a:endParaRPr lang="ko-KR" altLang="en-US" sz="1200" dirty="0"/>
+                      <a:endParaRPr lang="ko-KR" altLang="en-US" sz="1200" dirty="0">
+                        <a:latin typeface="맑은 고딕" panose="020B0503020000020004" pitchFamily="50" charset="-127"/>
+                        <a:ea typeface="맑은 고딕" panose="020B0503020000020004" pitchFamily="50" charset="-127"/>
+                      </a:endParaRPr>
                     </a:p>
                   </a:txBody>
                   <a:tcPr anchor="ctr"/>
@@ -36157,7 +36272,10 @@
                     <a:lstStyle/>
                     <a:p>
                       <a:pPr latinLnBrk="1"/>
-                      <a:endParaRPr lang="ko-KR" altLang="en-US" sz="1200"/>
+                      <a:endParaRPr lang="ko-KR" altLang="en-US" sz="1200">
+                        <a:latin typeface="맑은 고딕" panose="020B0503020000020004" pitchFamily="50" charset="-127"/>
+                        <a:ea typeface="맑은 고딕" panose="020B0503020000020004" pitchFamily="50" charset="-127"/>
+                      </a:endParaRPr>
                     </a:p>
                   </a:txBody>
                   <a:tcPr/>
@@ -36168,7 +36286,13 @@
                     <a:lstStyle/>
                     <a:p>
                       <a:pPr latinLnBrk="1"/>
-                      <a:endParaRPr lang="ko-KR" altLang="en-US" sz="1200"/>
+                      <a:r>
+                        <a:rPr lang="ko-KR" altLang="en-US" sz="1200" dirty="0">
+                          <a:latin typeface="맑은 고딕" panose="020B0503020000020004" pitchFamily="50" charset="-127"/>
+                          <a:ea typeface="맑은 고딕" panose="020B0503020000020004" pitchFamily="50" charset="-127"/>
+                        </a:rPr>
+                        <a:t>교육 버튼</a:t>
+                      </a:r>
                     </a:p>
                   </a:txBody>
                   <a:tcPr anchor="ctr"/>
@@ -36179,7 +36303,27 @@
                     <a:lstStyle/>
                     <a:p>
                       <a:pPr latinLnBrk="1"/>
-                      <a:endParaRPr lang="ko-KR" altLang="en-US" sz="1200" dirty="0"/>
+                      <a:r>
+                        <a:rPr lang="ko-KR" altLang="en-US" sz="1200" dirty="0">
+                          <a:latin typeface="맑은 고딕" panose="020B0503020000020004" pitchFamily="50" charset="-127"/>
+                          <a:ea typeface="맑은 고딕" panose="020B0503020000020004" pitchFamily="50" charset="-127"/>
+                        </a:rPr>
+                        <a:t>교육 시스템씬 </a:t>
+                      </a:r>
+                      <a:r>
+                        <a:rPr lang="ko-KR" altLang="en-US" sz="1200" dirty="0" err="1">
+                          <a:latin typeface="맑은 고딕" panose="020B0503020000020004" pitchFamily="50" charset="-127"/>
+                          <a:ea typeface="맑은 고딕" panose="020B0503020000020004" pitchFamily="50" charset="-127"/>
+                        </a:rPr>
+                        <a:t>으로</a:t>
+                      </a:r>
+                      <a:r>
+                        <a:rPr lang="ko-KR" altLang="en-US" sz="1200" dirty="0">
+                          <a:latin typeface="맑은 고딕" panose="020B0503020000020004" pitchFamily="50" charset="-127"/>
+                          <a:ea typeface="맑은 고딕" panose="020B0503020000020004" pitchFamily="50" charset="-127"/>
+                        </a:rPr>
+                        <a:t> 이동한다</a:t>
+                      </a:r>
                     </a:p>
                   </a:txBody>
                   <a:tcPr anchor="ctr"/>
@@ -36197,7 +36341,10 @@
                     <a:lstStyle/>
                     <a:p>
                       <a:pPr latinLnBrk="1"/>
-                      <a:endParaRPr lang="ko-KR" altLang="en-US" sz="1200"/>
+                      <a:endParaRPr lang="ko-KR" altLang="en-US" sz="1200" dirty="0">
+                        <a:latin typeface="맑은 고딕" panose="020B0503020000020004" pitchFamily="50" charset="-127"/>
+                        <a:ea typeface="맑은 고딕" panose="020B0503020000020004" pitchFamily="50" charset="-127"/>
+                      </a:endParaRPr>
                     </a:p>
                   </a:txBody>
                   <a:tcPr/>
@@ -36208,7 +36355,13 @@
                     <a:lstStyle/>
                     <a:p>
                       <a:pPr latinLnBrk="1"/>
-                      <a:endParaRPr lang="ko-KR" altLang="en-US" sz="1200"/>
+                      <a:r>
+                        <a:rPr lang="ko-KR" altLang="en-US" sz="1200" dirty="0">
+                          <a:latin typeface="맑은 고딕" panose="020B0503020000020004" pitchFamily="50" charset="-127"/>
+                          <a:ea typeface="맑은 고딕" panose="020B0503020000020004" pitchFamily="50" charset="-127"/>
+                        </a:rPr>
+                        <a:t>상점 버튼</a:t>
+                      </a:r>
                     </a:p>
                   </a:txBody>
                   <a:tcPr anchor="ctr"/>
@@ -36219,7 +36372,38 @@
                     <a:lstStyle/>
                     <a:p>
                       <a:pPr latinLnBrk="1"/>
-                      <a:endParaRPr lang="ko-KR" altLang="en-US" sz="1200" dirty="0"/>
+                      <a:r>
+                        <a:rPr lang="ko-KR" altLang="en-US" sz="1200" dirty="0">
+                          <a:latin typeface="맑은 고딕" panose="020B0503020000020004" pitchFamily="50" charset="-127"/>
+                          <a:ea typeface="맑은 고딕" panose="020B0503020000020004" pitchFamily="50" charset="-127"/>
+                        </a:rPr>
+                        <a:t>상점 시스템씬 </a:t>
+                      </a:r>
+                      <a:r>
+                        <a:rPr lang="ko-KR" altLang="en-US" sz="1200" dirty="0" err="1">
+                          <a:latin typeface="맑은 고딕" panose="020B0503020000020004" pitchFamily="50" charset="-127"/>
+                          <a:ea typeface="맑은 고딕" panose="020B0503020000020004" pitchFamily="50" charset="-127"/>
+                        </a:rPr>
+                        <a:t>으로</a:t>
+                      </a:r>
+                      <a:r>
+                        <a:rPr lang="ko-KR" altLang="en-US" sz="1200" dirty="0">
+                          <a:latin typeface="맑은 고딕" panose="020B0503020000020004" pitchFamily="50" charset="-127"/>
+                          <a:ea typeface="맑은 고딕" panose="020B0503020000020004" pitchFamily="50" charset="-127"/>
+                        </a:rPr>
+                        <a:t> 이동한다</a:t>
+                      </a:r>
+                      <a:r>
+                        <a:rPr lang="en-US" altLang="ko-KR" sz="1200" dirty="0">
+                          <a:latin typeface="맑은 고딕" panose="020B0503020000020004" pitchFamily="50" charset="-127"/>
+                          <a:ea typeface="맑은 고딕" panose="020B0503020000020004" pitchFamily="50" charset="-127"/>
+                        </a:rPr>
+                        <a:t>.</a:t>
+                      </a:r>
+                      <a:endParaRPr lang="ko-KR" altLang="en-US" sz="1200" dirty="0">
+                        <a:latin typeface="맑은 고딕" panose="020B0503020000020004" pitchFamily="50" charset="-127"/>
+                        <a:ea typeface="맑은 고딕" panose="020B0503020000020004" pitchFamily="50" charset="-127"/>
+                      </a:endParaRPr>
                     </a:p>
                   </a:txBody>
                   <a:tcPr anchor="ctr"/>
@@ -36237,7 +36421,10 @@
                     <a:lstStyle/>
                     <a:p>
                       <a:pPr latinLnBrk="1"/>
-                      <a:endParaRPr lang="ko-KR" altLang="en-US" sz="1200"/>
+                      <a:endParaRPr lang="ko-KR" altLang="en-US" sz="1200" dirty="0">
+                        <a:latin typeface="맑은 고딕" panose="020B0503020000020004" pitchFamily="50" charset="-127"/>
+                        <a:ea typeface="맑은 고딕" panose="020B0503020000020004" pitchFamily="50" charset="-127"/>
+                      </a:endParaRPr>
                     </a:p>
                   </a:txBody>
                   <a:tcPr/>
@@ -36248,7 +36435,13 @@
                     <a:lstStyle/>
                     <a:p>
                       <a:pPr latinLnBrk="1"/>
-                      <a:endParaRPr lang="ko-KR" altLang="en-US" sz="1200"/>
+                      <a:r>
+                        <a:rPr lang="ko-KR" altLang="en-US" sz="1200" dirty="0">
+                          <a:latin typeface="맑은 고딕" panose="020B0503020000020004" pitchFamily="50" charset="-127"/>
+                          <a:ea typeface="맑은 고딕" panose="020B0503020000020004" pitchFamily="50" charset="-127"/>
+                        </a:rPr>
+                        <a:t>현정이 버튼</a:t>
+                      </a:r>
                     </a:p>
                   </a:txBody>
                   <a:tcPr anchor="ctr"/>
@@ -36259,7 +36452,59 @@
                     <a:lstStyle/>
                     <a:p>
                       <a:pPr latinLnBrk="1"/>
-                      <a:endParaRPr lang="ko-KR" altLang="en-US" sz="1200" dirty="0"/>
+                      <a:r>
+                        <a:rPr lang="ko-KR" altLang="en-US" sz="1200" dirty="0">
+                          <a:latin typeface="맑은 고딕" panose="020B0503020000020004" pitchFamily="50" charset="-127"/>
+                          <a:ea typeface="맑은 고딕" panose="020B0503020000020004" pitchFamily="50" charset="-127"/>
+                        </a:rPr>
+                        <a:t>현정이가 나와서 </a:t>
+                      </a:r>
+                      <a:r>
+                        <a:rPr lang="ko-KR" altLang="en-US" sz="1200" dirty="0" err="1">
+                          <a:latin typeface="맑은 고딕" panose="020B0503020000020004" pitchFamily="50" charset="-127"/>
+                          <a:ea typeface="맑은 고딕" panose="020B0503020000020004" pitchFamily="50" charset="-127"/>
+                        </a:rPr>
+                        <a:t>아우우</a:t>
+                      </a:r>
+                      <a:r>
+                        <a:rPr lang="en-US" altLang="ko-KR" sz="1200" dirty="0">
+                          <a:latin typeface="맑은 고딕" panose="020B0503020000020004" pitchFamily="50" charset="-127"/>
+                          <a:ea typeface="맑은 고딕" panose="020B0503020000020004" pitchFamily="50" charset="-127"/>
+                        </a:rPr>
+                        <a:t>, </a:t>
+                      </a:r>
+                      <a:r>
+                        <a:rPr lang="ko-KR" altLang="en-US" sz="1200" dirty="0">
+                          <a:latin typeface="맑은 고딕" panose="020B0503020000020004" pitchFamily="50" charset="-127"/>
+                          <a:ea typeface="맑은 고딕" panose="020B0503020000020004" pitchFamily="50" charset="-127"/>
+                        </a:rPr>
+                        <a:t>짜증</a:t>
+                      </a:r>
+                      <a:r>
+                        <a:rPr lang="en-US" altLang="ko-KR" sz="1200" dirty="0">
+                          <a:latin typeface="맑은 고딕" panose="020B0503020000020004" pitchFamily="50" charset="-127"/>
+                          <a:ea typeface="맑은 고딕" panose="020B0503020000020004" pitchFamily="50" charset="-127"/>
+                        </a:rPr>
+                        <a:t>! </a:t>
+                      </a:r>
+                      <a:r>
+                        <a:rPr lang="ko-KR" altLang="en-US" sz="1200" dirty="0">
+                          <a:latin typeface="맑은 고딕" panose="020B0503020000020004" pitchFamily="50" charset="-127"/>
+                          <a:ea typeface="맑은 고딕" panose="020B0503020000020004" pitchFamily="50" charset="-127"/>
+                        </a:rPr>
+                        <a:t>스킬을 사용한다</a:t>
+                      </a:r>
+                      <a:r>
+                        <a:rPr lang="en-US" altLang="ko-KR" sz="1200" dirty="0">
+                          <a:latin typeface="맑은 고딕" panose="020B0503020000020004" pitchFamily="50" charset="-127"/>
+                          <a:ea typeface="맑은 고딕" panose="020B0503020000020004" pitchFamily="50" charset="-127"/>
+                        </a:rPr>
+                        <a:t>.</a:t>
+                      </a:r>
+                      <a:endParaRPr lang="ko-KR" altLang="en-US" sz="1200" dirty="0">
+                        <a:latin typeface="맑은 고딕" panose="020B0503020000020004" pitchFamily="50" charset="-127"/>
+                        <a:ea typeface="맑은 고딕" panose="020B0503020000020004" pitchFamily="50" charset="-127"/>
+                      </a:endParaRPr>
                     </a:p>
                   </a:txBody>
                   <a:tcPr anchor="ctr"/>
@@ -36404,7 +36649,7 @@
         </p:nvSpPr>
         <p:spPr>
           <a:xfrm>
-            <a:off x="4932040" y="3501008"/>
+            <a:off x="4932040" y="3402318"/>
             <a:ext cx="216024" cy="216024"/>
           </a:xfrm>
           <a:prstGeom prst="ellipse">
@@ -36462,7 +36707,7 @@
         </p:nvSpPr>
         <p:spPr>
           <a:xfrm>
-            <a:off x="4932040" y="3980142"/>
+            <a:off x="4932040" y="3817440"/>
             <a:ext cx="216024" cy="216024"/>
           </a:xfrm>
           <a:prstGeom prst="ellipse">
@@ -36520,8 +36765,8 @@
         </p:nvSpPr>
         <p:spPr>
           <a:xfrm>
-            <a:off x="4932040" y="4351264"/>
-            <a:ext cx="216024" cy="216024"/>
+            <a:off x="4922729" y="4238530"/>
+            <a:ext cx="234646" cy="216024"/>
           </a:xfrm>
           <a:prstGeom prst="ellipse">
             <a:avLst/>
@@ -36780,6 +37025,699 @@
               </a:rPr>
               <a:t>현정</a:t>
             </a:r>
+          </a:p>
+        </p:txBody>
+      </p:sp>
+      <p:sp>
+        <p:nvSpPr>
+          <p:cNvPr id="4" name="직사각형 3">
+            <a:extLst>
+              <a:ext uri="{FF2B5EF4-FFF2-40B4-BE49-F238E27FC236}">
+                <a16:creationId xmlns:a16="http://schemas.microsoft.com/office/drawing/2014/main" id="{943D77DF-727B-AD9F-049A-48A0EE9BFA33}"/>
+              </a:ext>
+            </a:extLst>
+          </p:cNvPr>
+          <p:cNvSpPr/>
+          <p:nvPr/>
+        </p:nvSpPr>
+        <p:spPr>
+          <a:xfrm>
+            <a:off x="1340285" y="2528900"/>
+            <a:ext cx="944833" cy="180529"/>
+          </a:xfrm>
+          <a:prstGeom prst="rect">
+            <a:avLst/>
+          </a:prstGeom>
+          <a:solidFill>
+            <a:schemeClr val="tx2"/>
+          </a:solidFill>
+        </p:spPr>
+        <p:style>
+          <a:lnRef idx="2">
+            <a:schemeClr val="accent1">
+              <a:shade val="50000"/>
+            </a:schemeClr>
+          </a:lnRef>
+          <a:fillRef idx="1">
+            <a:schemeClr val="accent1"/>
+          </a:fillRef>
+          <a:effectRef idx="0">
+            <a:schemeClr val="accent1"/>
+          </a:effectRef>
+          <a:fontRef idx="minor">
+            <a:schemeClr val="lt1"/>
+          </a:fontRef>
+        </p:style>
+        <p:txBody>
+          <a:bodyPr rtlCol="0" anchor="ctr"/>
+          <a:lstStyle/>
+          <a:p>
+            <a:pPr algn="ctr"/>
+            <a:r>
+              <a:rPr lang="ko-KR" altLang="en-US" sz="1200" dirty="0">
+                <a:latin typeface="맑은 고딕" panose="020B0503020000020004" pitchFamily="50" charset="-127"/>
+                <a:ea typeface="맑은 고딕" panose="020B0503020000020004" pitchFamily="50" charset="-127"/>
+              </a:rPr>
+              <a:t>골드</a:t>
+            </a:r>
+          </a:p>
+        </p:txBody>
+      </p:sp>
+      <p:sp>
+        <p:nvSpPr>
+          <p:cNvPr id="6" name="타원 5">
+            <a:extLst>
+              <a:ext uri="{FF2B5EF4-FFF2-40B4-BE49-F238E27FC236}">
+                <a16:creationId xmlns:a16="http://schemas.microsoft.com/office/drawing/2014/main" id="{B0347987-1DA4-3A50-33F2-44865B7D5049}"/>
+              </a:ext>
+            </a:extLst>
+          </p:cNvPr>
+          <p:cNvSpPr/>
+          <p:nvPr/>
+        </p:nvSpPr>
+        <p:spPr>
+          <a:xfrm>
+            <a:off x="1191411" y="2528900"/>
+            <a:ext cx="216024" cy="216024"/>
+          </a:xfrm>
+          <a:prstGeom prst="ellipse">
+            <a:avLst/>
+          </a:prstGeom>
+        </p:spPr>
+        <p:style>
+          <a:lnRef idx="2">
+            <a:schemeClr val="accent1">
+              <a:shade val="50000"/>
+            </a:schemeClr>
+          </a:lnRef>
+          <a:fillRef idx="1">
+            <a:schemeClr val="accent1"/>
+          </a:fillRef>
+          <a:effectRef idx="0">
+            <a:schemeClr val="accent1"/>
+          </a:effectRef>
+          <a:fontRef idx="minor">
+            <a:schemeClr val="lt1"/>
+          </a:fontRef>
+        </p:style>
+        <p:txBody>
+          <a:bodyPr rtlCol="0" anchor="ctr"/>
+          <a:lstStyle/>
+          <a:p>
+            <a:pPr algn="ctr"/>
+            <a:r>
+              <a:rPr lang="en-US" altLang="ko-KR" sz="1200" dirty="0">
+                <a:solidFill>
+                  <a:schemeClr val="bg1"/>
+                </a:solidFill>
+              </a:rPr>
+              <a:t>1</a:t>
+            </a:r>
+            <a:endParaRPr lang="ko-KR" altLang="en-US" sz="1200" dirty="0">
+              <a:solidFill>
+                <a:schemeClr val="bg1"/>
+              </a:solidFill>
+            </a:endParaRPr>
+          </a:p>
+        </p:txBody>
+      </p:sp>
+      <p:sp>
+        <p:nvSpPr>
+          <p:cNvPr id="7" name="타원 6">
+            <a:extLst>
+              <a:ext uri="{FF2B5EF4-FFF2-40B4-BE49-F238E27FC236}">
+                <a16:creationId xmlns:a16="http://schemas.microsoft.com/office/drawing/2014/main" id="{452BDF1B-7CF8-DF9D-A259-4664C75C5E6A}"/>
+              </a:ext>
+            </a:extLst>
+          </p:cNvPr>
+          <p:cNvSpPr/>
+          <p:nvPr/>
+        </p:nvSpPr>
+        <p:spPr>
+          <a:xfrm>
+            <a:off x="465048" y="3501008"/>
+            <a:ext cx="216024" cy="216024"/>
+          </a:xfrm>
+          <a:prstGeom prst="ellipse">
+            <a:avLst/>
+          </a:prstGeom>
+        </p:spPr>
+        <p:style>
+          <a:lnRef idx="2">
+            <a:schemeClr val="accent1">
+              <a:shade val="50000"/>
+            </a:schemeClr>
+          </a:lnRef>
+          <a:fillRef idx="1">
+            <a:schemeClr val="accent1"/>
+          </a:fillRef>
+          <a:effectRef idx="0">
+            <a:schemeClr val="accent1"/>
+          </a:effectRef>
+          <a:fontRef idx="minor">
+            <a:schemeClr val="lt1"/>
+          </a:fontRef>
+        </p:style>
+        <p:txBody>
+          <a:bodyPr rtlCol="0" anchor="ctr"/>
+          <a:lstStyle/>
+          <a:p>
+            <a:pPr algn="ctr"/>
+            <a:r>
+              <a:rPr lang="en-US" altLang="ko-KR" sz="1200" dirty="0">
+                <a:solidFill>
+                  <a:schemeClr val="bg1"/>
+                </a:solidFill>
+              </a:rPr>
+              <a:t>2</a:t>
+            </a:r>
+            <a:endParaRPr lang="ko-KR" altLang="en-US" sz="1200" dirty="0">
+              <a:solidFill>
+                <a:schemeClr val="bg1"/>
+              </a:solidFill>
+            </a:endParaRPr>
+          </a:p>
+        </p:txBody>
+      </p:sp>
+      <p:sp>
+        <p:nvSpPr>
+          <p:cNvPr id="8" name="타원 7">
+            <a:extLst>
+              <a:ext uri="{FF2B5EF4-FFF2-40B4-BE49-F238E27FC236}">
+                <a16:creationId xmlns:a16="http://schemas.microsoft.com/office/drawing/2014/main" id="{BCF878D2-EA9A-AA68-06AA-1C8E416E37D2}"/>
+              </a:ext>
+            </a:extLst>
+          </p:cNvPr>
+          <p:cNvSpPr/>
+          <p:nvPr/>
+        </p:nvSpPr>
+        <p:spPr>
+          <a:xfrm>
+            <a:off x="1320711" y="4124822"/>
+            <a:ext cx="216024" cy="216024"/>
+          </a:xfrm>
+          <a:prstGeom prst="ellipse">
+            <a:avLst/>
+          </a:prstGeom>
+        </p:spPr>
+        <p:style>
+          <a:lnRef idx="2">
+            <a:schemeClr val="accent1">
+              <a:shade val="50000"/>
+            </a:schemeClr>
+          </a:lnRef>
+          <a:fillRef idx="1">
+            <a:schemeClr val="accent1"/>
+          </a:fillRef>
+          <a:effectRef idx="0">
+            <a:schemeClr val="accent1"/>
+          </a:effectRef>
+          <a:fontRef idx="minor">
+            <a:schemeClr val="lt1"/>
+          </a:fontRef>
+        </p:style>
+        <p:txBody>
+          <a:bodyPr rtlCol="0" anchor="ctr"/>
+          <a:lstStyle/>
+          <a:p>
+            <a:pPr algn="ctr"/>
+            <a:r>
+              <a:rPr lang="en-US" altLang="ko-KR" sz="1200" dirty="0">
+                <a:solidFill>
+                  <a:schemeClr val="bg1"/>
+                </a:solidFill>
+              </a:rPr>
+              <a:t>3</a:t>
+            </a:r>
+            <a:endParaRPr lang="ko-KR" altLang="en-US" sz="1200" dirty="0">
+              <a:solidFill>
+                <a:schemeClr val="bg1"/>
+              </a:solidFill>
+            </a:endParaRPr>
+          </a:p>
+        </p:txBody>
+      </p:sp>
+      <p:sp>
+        <p:nvSpPr>
+          <p:cNvPr id="9" name="타원 8">
+            <a:extLst>
+              <a:ext uri="{FF2B5EF4-FFF2-40B4-BE49-F238E27FC236}">
+                <a16:creationId xmlns:a16="http://schemas.microsoft.com/office/drawing/2014/main" id="{AB1FA21F-F75A-EA57-F340-73AC3E5B845F}"/>
+              </a:ext>
+            </a:extLst>
+          </p:cNvPr>
+          <p:cNvSpPr/>
+          <p:nvPr/>
+        </p:nvSpPr>
+        <p:spPr>
+          <a:xfrm>
+            <a:off x="1320711" y="3624591"/>
+            <a:ext cx="216024" cy="216024"/>
+          </a:xfrm>
+          <a:prstGeom prst="ellipse">
+            <a:avLst/>
+          </a:prstGeom>
+        </p:spPr>
+        <p:style>
+          <a:lnRef idx="2">
+            <a:schemeClr val="accent1">
+              <a:shade val="50000"/>
+            </a:schemeClr>
+          </a:lnRef>
+          <a:fillRef idx="1">
+            <a:schemeClr val="accent1"/>
+          </a:fillRef>
+          <a:effectRef idx="0">
+            <a:schemeClr val="accent1"/>
+          </a:effectRef>
+          <a:fontRef idx="minor">
+            <a:schemeClr val="lt1"/>
+          </a:fontRef>
+        </p:style>
+        <p:txBody>
+          <a:bodyPr rtlCol="0" anchor="ctr"/>
+          <a:lstStyle/>
+          <a:p>
+            <a:pPr algn="ctr"/>
+            <a:r>
+              <a:rPr lang="en-US" altLang="ko-KR" sz="1200" dirty="0">
+                <a:solidFill>
+                  <a:schemeClr val="bg1"/>
+                </a:solidFill>
+              </a:rPr>
+              <a:t>4</a:t>
+            </a:r>
+            <a:endParaRPr lang="ko-KR" altLang="en-US" sz="1200" dirty="0">
+              <a:solidFill>
+                <a:schemeClr val="bg1"/>
+              </a:solidFill>
+            </a:endParaRPr>
+          </a:p>
+        </p:txBody>
+      </p:sp>
+      <p:sp>
+        <p:nvSpPr>
+          <p:cNvPr id="12" name="타원 11">
+            <a:extLst>
+              <a:ext uri="{FF2B5EF4-FFF2-40B4-BE49-F238E27FC236}">
+                <a16:creationId xmlns:a16="http://schemas.microsoft.com/office/drawing/2014/main" id="{BFB07F4F-B5AE-4DA5-D7C4-61D437FFC759}"/>
+              </a:ext>
+            </a:extLst>
+          </p:cNvPr>
+          <p:cNvSpPr/>
+          <p:nvPr/>
+        </p:nvSpPr>
+        <p:spPr>
+          <a:xfrm>
+            <a:off x="1935425" y="4610387"/>
+            <a:ext cx="234646" cy="216024"/>
+          </a:xfrm>
+          <a:prstGeom prst="ellipse">
+            <a:avLst/>
+          </a:prstGeom>
+        </p:spPr>
+        <p:style>
+          <a:lnRef idx="2">
+            <a:schemeClr val="accent1">
+              <a:shade val="50000"/>
+            </a:schemeClr>
+          </a:lnRef>
+          <a:fillRef idx="1">
+            <a:schemeClr val="accent1"/>
+          </a:fillRef>
+          <a:effectRef idx="0">
+            <a:schemeClr val="accent1"/>
+          </a:effectRef>
+          <a:fontRef idx="minor">
+            <a:schemeClr val="lt1"/>
+          </a:fontRef>
+        </p:style>
+        <p:txBody>
+          <a:bodyPr rtlCol="0" anchor="ctr"/>
+          <a:lstStyle/>
+          <a:p>
+            <a:pPr algn="ctr"/>
+            <a:r>
+              <a:rPr lang="en-US" altLang="ko-KR" sz="1200" dirty="0">
+                <a:solidFill>
+                  <a:schemeClr val="bg1"/>
+                </a:solidFill>
+              </a:rPr>
+              <a:t>5</a:t>
+            </a:r>
+            <a:endParaRPr lang="ko-KR" altLang="en-US" sz="1200" dirty="0">
+              <a:solidFill>
+                <a:schemeClr val="bg1"/>
+              </a:solidFill>
+            </a:endParaRPr>
+          </a:p>
+        </p:txBody>
+      </p:sp>
+      <p:sp>
+        <p:nvSpPr>
+          <p:cNvPr id="13" name="타원 12">
+            <a:extLst>
+              <a:ext uri="{FF2B5EF4-FFF2-40B4-BE49-F238E27FC236}">
+                <a16:creationId xmlns:a16="http://schemas.microsoft.com/office/drawing/2014/main" id="{D2C0F478-1E36-B09F-92D6-0464DDA675C7}"/>
+              </a:ext>
+            </a:extLst>
+          </p:cNvPr>
+          <p:cNvSpPr/>
+          <p:nvPr/>
+        </p:nvSpPr>
+        <p:spPr>
+          <a:xfrm>
+            <a:off x="336724" y="5551707"/>
+            <a:ext cx="234646" cy="216024"/>
+          </a:xfrm>
+          <a:prstGeom prst="ellipse">
+            <a:avLst/>
+          </a:prstGeom>
+        </p:spPr>
+        <p:style>
+          <a:lnRef idx="2">
+            <a:schemeClr val="accent1">
+              <a:shade val="50000"/>
+            </a:schemeClr>
+          </a:lnRef>
+          <a:fillRef idx="1">
+            <a:schemeClr val="accent1"/>
+          </a:fillRef>
+          <a:effectRef idx="0">
+            <a:schemeClr val="accent1"/>
+          </a:effectRef>
+          <a:fontRef idx="minor">
+            <a:schemeClr val="lt1"/>
+          </a:fontRef>
+        </p:style>
+        <p:txBody>
+          <a:bodyPr rtlCol="0" anchor="ctr"/>
+          <a:lstStyle/>
+          <a:p>
+            <a:pPr algn="ctr"/>
+            <a:r>
+              <a:rPr lang="en-US" altLang="ko-KR" sz="1200" dirty="0">
+                <a:solidFill>
+                  <a:schemeClr val="bg1"/>
+                </a:solidFill>
+              </a:rPr>
+              <a:t>6</a:t>
+            </a:r>
+            <a:endParaRPr lang="ko-KR" altLang="en-US" sz="1200" dirty="0">
+              <a:solidFill>
+                <a:schemeClr val="bg1"/>
+              </a:solidFill>
+            </a:endParaRPr>
+          </a:p>
+        </p:txBody>
+      </p:sp>
+      <p:sp>
+        <p:nvSpPr>
+          <p:cNvPr id="14" name="타원 13">
+            <a:extLst>
+              <a:ext uri="{FF2B5EF4-FFF2-40B4-BE49-F238E27FC236}">
+                <a16:creationId xmlns:a16="http://schemas.microsoft.com/office/drawing/2014/main" id="{2470A4C2-0DBD-D98C-A6C5-915629B04793}"/>
+              </a:ext>
+            </a:extLst>
+          </p:cNvPr>
+          <p:cNvSpPr/>
+          <p:nvPr/>
+        </p:nvSpPr>
+        <p:spPr>
+          <a:xfrm>
+            <a:off x="4932040" y="4617240"/>
+            <a:ext cx="234646" cy="216024"/>
+          </a:xfrm>
+          <a:prstGeom prst="ellipse">
+            <a:avLst/>
+          </a:prstGeom>
+        </p:spPr>
+        <p:style>
+          <a:lnRef idx="2">
+            <a:schemeClr val="accent1">
+              <a:shade val="50000"/>
+            </a:schemeClr>
+          </a:lnRef>
+          <a:fillRef idx="1">
+            <a:schemeClr val="accent1"/>
+          </a:fillRef>
+          <a:effectRef idx="0">
+            <a:schemeClr val="accent1"/>
+          </a:effectRef>
+          <a:fontRef idx="minor">
+            <a:schemeClr val="lt1"/>
+          </a:fontRef>
+        </p:style>
+        <p:txBody>
+          <a:bodyPr rtlCol="0" anchor="ctr"/>
+          <a:lstStyle/>
+          <a:p>
+            <a:pPr algn="ctr"/>
+            <a:r>
+              <a:rPr lang="en-US" altLang="ko-KR" sz="1200" dirty="0">
+                <a:solidFill>
+                  <a:schemeClr val="bg1"/>
+                </a:solidFill>
+              </a:rPr>
+              <a:t>6</a:t>
+            </a:r>
+            <a:endParaRPr lang="ko-KR" altLang="en-US" sz="1200" dirty="0">
+              <a:solidFill>
+                <a:schemeClr val="bg1"/>
+              </a:solidFill>
+            </a:endParaRPr>
+          </a:p>
+        </p:txBody>
+      </p:sp>
+      <p:sp>
+        <p:nvSpPr>
+          <p:cNvPr id="15" name="타원 14">
+            <a:extLst>
+              <a:ext uri="{FF2B5EF4-FFF2-40B4-BE49-F238E27FC236}">
+                <a16:creationId xmlns:a16="http://schemas.microsoft.com/office/drawing/2014/main" id="{EE46EF11-39E3-8351-DCB1-D13AF8768A49}"/>
+              </a:ext>
+            </a:extLst>
+          </p:cNvPr>
+          <p:cNvSpPr/>
+          <p:nvPr/>
+        </p:nvSpPr>
+        <p:spPr>
+          <a:xfrm>
+            <a:off x="1044415" y="5505579"/>
+            <a:ext cx="234646" cy="216024"/>
+          </a:xfrm>
+          <a:prstGeom prst="ellipse">
+            <a:avLst/>
+          </a:prstGeom>
+        </p:spPr>
+        <p:style>
+          <a:lnRef idx="2">
+            <a:schemeClr val="accent1">
+              <a:shade val="50000"/>
+            </a:schemeClr>
+          </a:lnRef>
+          <a:fillRef idx="1">
+            <a:schemeClr val="accent1"/>
+          </a:fillRef>
+          <a:effectRef idx="0">
+            <a:schemeClr val="accent1"/>
+          </a:effectRef>
+          <a:fontRef idx="minor">
+            <a:schemeClr val="lt1"/>
+          </a:fontRef>
+        </p:style>
+        <p:txBody>
+          <a:bodyPr rtlCol="0" anchor="ctr"/>
+          <a:lstStyle/>
+          <a:p>
+            <a:pPr algn="ctr"/>
+            <a:r>
+              <a:rPr lang="en-US" altLang="ko-KR" sz="1200" dirty="0">
+                <a:solidFill>
+                  <a:schemeClr val="bg1"/>
+                </a:solidFill>
+              </a:rPr>
+              <a:t>7</a:t>
+            </a:r>
+            <a:endParaRPr lang="ko-KR" altLang="en-US" sz="1200" dirty="0">
+              <a:solidFill>
+                <a:schemeClr val="bg1"/>
+              </a:solidFill>
+            </a:endParaRPr>
+          </a:p>
+        </p:txBody>
+      </p:sp>
+      <p:sp>
+        <p:nvSpPr>
+          <p:cNvPr id="18" name="타원 17">
+            <a:extLst>
+              <a:ext uri="{FF2B5EF4-FFF2-40B4-BE49-F238E27FC236}">
+                <a16:creationId xmlns:a16="http://schemas.microsoft.com/office/drawing/2014/main" id="{A768B8E7-13AE-3E25-F7E0-32479C2DF7A2}"/>
+              </a:ext>
+            </a:extLst>
+          </p:cNvPr>
+          <p:cNvSpPr/>
+          <p:nvPr/>
+        </p:nvSpPr>
+        <p:spPr>
+          <a:xfrm>
+            <a:off x="4932040" y="4997570"/>
+            <a:ext cx="234646" cy="216024"/>
+          </a:xfrm>
+          <a:prstGeom prst="ellipse">
+            <a:avLst/>
+          </a:prstGeom>
+        </p:spPr>
+        <p:style>
+          <a:lnRef idx="2">
+            <a:schemeClr val="accent1">
+              <a:shade val="50000"/>
+            </a:schemeClr>
+          </a:lnRef>
+          <a:fillRef idx="1">
+            <a:schemeClr val="accent1"/>
+          </a:fillRef>
+          <a:effectRef idx="0">
+            <a:schemeClr val="accent1"/>
+          </a:effectRef>
+          <a:fontRef idx="minor">
+            <a:schemeClr val="lt1"/>
+          </a:fontRef>
+        </p:style>
+        <p:txBody>
+          <a:bodyPr rtlCol="0" anchor="ctr"/>
+          <a:lstStyle/>
+          <a:p>
+            <a:pPr algn="ctr"/>
+            <a:r>
+              <a:rPr lang="en-US" altLang="ko-KR" sz="1200" dirty="0">
+                <a:solidFill>
+                  <a:schemeClr val="bg1"/>
+                </a:solidFill>
+              </a:rPr>
+              <a:t>7</a:t>
+            </a:r>
+            <a:endParaRPr lang="ko-KR" altLang="en-US" sz="1200" dirty="0">
+              <a:solidFill>
+                <a:schemeClr val="bg1"/>
+              </a:solidFill>
+            </a:endParaRPr>
+          </a:p>
+        </p:txBody>
+      </p:sp>
+      <p:sp>
+        <p:nvSpPr>
+          <p:cNvPr id="19" name="타원 18">
+            <a:extLst>
+              <a:ext uri="{FF2B5EF4-FFF2-40B4-BE49-F238E27FC236}">
+                <a16:creationId xmlns:a16="http://schemas.microsoft.com/office/drawing/2014/main" id="{EF18F502-7889-EFE6-892A-278536381B15}"/>
+              </a:ext>
+            </a:extLst>
+          </p:cNvPr>
+          <p:cNvSpPr/>
+          <p:nvPr/>
+        </p:nvSpPr>
+        <p:spPr>
+          <a:xfrm>
+            <a:off x="1655989" y="5475608"/>
+            <a:ext cx="234646" cy="216024"/>
+          </a:xfrm>
+          <a:prstGeom prst="ellipse">
+            <a:avLst/>
+          </a:prstGeom>
+        </p:spPr>
+        <p:style>
+          <a:lnRef idx="2">
+            <a:schemeClr val="accent1">
+              <a:shade val="50000"/>
+            </a:schemeClr>
+          </a:lnRef>
+          <a:fillRef idx="1">
+            <a:schemeClr val="accent1"/>
+          </a:fillRef>
+          <a:effectRef idx="0">
+            <a:schemeClr val="accent1"/>
+          </a:effectRef>
+          <a:fontRef idx="minor">
+            <a:schemeClr val="lt1"/>
+          </a:fontRef>
+        </p:style>
+        <p:txBody>
+          <a:bodyPr rtlCol="0" anchor="ctr"/>
+          <a:lstStyle/>
+          <a:p>
+            <a:pPr algn="ctr"/>
+            <a:r>
+              <a:rPr lang="en-US" altLang="ko-KR" sz="1200" dirty="0">
+                <a:solidFill>
+                  <a:schemeClr val="bg1"/>
+                </a:solidFill>
+              </a:rPr>
+              <a:t>8</a:t>
+            </a:r>
+            <a:endParaRPr lang="ko-KR" altLang="en-US" sz="1200" dirty="0">
+              <a:solidFill>
+                <a:schemeClr val="bg1"/>
+              </a:solidFill>
+            </a:endParaRPr>
+          </a:p>
+        </p:txBody>
+      </p:sp>
+      <p:sp>
+        <p:nvSpPr>
+          <p:cNvPr id="22" name="타원 21">
+            <a:extLst>
+              <a:ext uri="{FF2B5EF4-FFF2-40B4-BE49-F238E27FC236}">
+                <a16:creationId xmlns:a16="http://schemas.microsoft.com/office/drawing/2014/main" id="{0208DBDC-B18E-CAF8-F001-D746DBBA9FFF}"/>
+              </a:ext>
+            </a:extLst>
+          </p:cNvPr>
+          <p:cNvSpPr/>
+          <p:nvPr/>
+        </p:nvSpPr>
+        <p:spPr>
+          <a:xfrm>
+            <a:off x="4922729" y="5367596"/>
+            <a:ext cx="234646" cy="216024"/>
+          </a:xfrm>
+          <a:prstGeom prst="ellipse">
+            <a:avLst/>
+          </a:prstGeom>
+        </p:spPr>
+        <p:style>
+          <a:lnRef idx="2">
+            <a:schemeClr val="accent1">
+              <a:shade val="50000"/>
+            </a:schemeClr>
+          </a:lnRef>
+          <a:fillRef idx="1">
+            <a:schemeClr val="accent1"/>
+          </a:fillRef>
+          <a:effectRef idx="0">
+            <a:schemeClr val="accent1"/>
+          </a:effectRef>
+          <a:fontRef idx="minor">
+            <a:schemeClr val="lt1"/>
+          </a:fontRef>
+        </p:style>
+        <p:txBody>
+          <a:bodyPr rtlCol="0" anchor="ctr"/>
+          <a:lstStyle/>
+          <a:p>
+            <a:pPr algn="ctr"/>
+            <a:r>
+              <a:rPr lang="en-US" altLang="ko-KR" sz="1200" dirty="0">
+                <a:solidFill>
+                  <a:schemeClr val="bg1"/>
+                </a:solidFill>
+              </a:rPr>
+              <a:t>8</a:t>
+            </a:r>
+            <a:endParaRPr lang="ko-KR" altLang="en-US" sz="1200" dirty="0">
+              <a:solidFill>
+                <a:schemeClr val="bg1"/>
+              </a:solidFill>
+            </a:endParaRPr>
           </a:p>
         </p:txBody>
       </p:sp>
